--- a/doc/exploration/figs/figs.pptx
+++ b/doc/exploration/figs/figs.pptx
@@ -104,6 +104,11 @@
       </a:defRPr>
     </a:lvl9pPr>
   </p:defaultTextStyle>
+  <p:extLst>
+    <p:ext uri="{EFAFB233-063F-42B5-8137-9DF3F51BA10A}">
+      <p15:sldGuideLst xmlns:p15="http://schemas.microsoft.com/office/powerpoint/2012/main"/>
+    </p:ext>
+  </p:extLst>
 </p:presentation>
 </file>
 
@@ -3344,10 +3349,10 @@
       </p:grpSpPr>
       <p:sp>
         <p:nvSpPr>
-          <p:cNvPr id="10" name="Oval 9">
-            <a:extLst>
-              <a:ext uri="{FF2B5EF4-FFF2-40B4-BE49-F238E27FC236}">
-                <a16:creationId xmlns:a16="http://schemas.microsoft.com/office/drawing/2014/main" id="{06576DC4-F2F0-0A09-C83E-A0C348F14DDC}"/>
+          <p:cNvPr id="8" name="Oval 7">
+            <a:extLst>
+              <a:ext uri="{FF2B5EF4-FFF2-40B4-BE49-F238E27FC236}">
+                <a16:creationId xmlns:a16="http://schemas.microsoft.com/office/drawing/2014/main" id="{9D2075C2-68E0-C296-7E9A-B627A3D13F22}"/>
               </a:ext>
             </a:extLst>
           </p:cNvPr>
@@ -3356,74 +3361,7 @@
         </p:nvSpPr>
         <p:spPr>
           <a:xfrm>
-            <a:off x="4131485" y="1621892"/>
-            <a:ext cx="4111463" cy="2776572"/>
-          </a:xfrm>
-          <a:prstGeom prst="ellipse">
-            <a:avLst/>
-          </a:prstGeom>
-          <a:solidFill>
-            <a:schemeClr val="tx2">
-              <a:lumMod val="50000"/>
-              <a:lumOff val="50000"/>
-              <a:alpha val="5098"/>
-            </a:schemeClr>
-          </a:solidFill>
-          <a:ln>
-            <a:solidFill>
-              <a:schemeClr val="tx2">
-                <a:lumMod val="75000"/>
-                <a:lumOff val="25000"/>
-              </a:schemeClr>
-            </a:solidFill>
-          </a:ln>
-        </p:spPr>
-        <p:style>
-          <a:lnRef idx="2">
-            <a:schemeClr val="dk1">
-              <a:shade val="15000"/>
-            </a:schemeClr>
-          </a:lnRef>
-          <a:fillRef idx="1">
-            <a:schemeClr val="dk1"/>
-          </a:fillRef>
-          <a:effectRef idx="0">
-            <a:schemeClr val="dk1"/>
-          </a:effectRef>
-          <a:fontRef idx="minor">
-            <a:schemeClr val="lt1"/>
-          </a:fontRef>
-        </p:style>
-        <p:txBody>
-          <a:bodyPr wrap="square" lIns="0" tIns="0" rIns="0" bIns="0" rtlCol="0" anchor="t" anchorCtr="0"/>
-          <a:lstStyle/>
-          <a:p>
-            <a:pPr algn="ctr"/>
-            <a:endParaRPr lang="en-GB" sz="1400" dirty="0">
-              <a:solidFill>
-                <a:schemeClr val="accent4">
-                  <a:lumMod val="50000"/>
-                </a:schemeClr>
-              </a:solidFill>
-            </a:endParaRPr>
-          </a:p>
-        </p:txBody>
-      </p:sp>
-      <p:sp>
-        <p:nvSpPr>
-          <p:cNvPr id="8" name="Oval 7">
-            <a:extLst>
-              <a:ext uri="{FF2B5EF4-FFF2-40B4-BE49-F238E27FC236}">
-                <a16:creationId xmlns:a16="http://schemas.microsoft.com/office/drawing/2014/main" id="{9D2075C2-68E0-C296-7E9A-B627A3D13F22}"/>
-              </a:ext>
-            </a:extLst>
-          </p:cNvPr>
-          <p:cNvSpPr/>
-          <p:nvPr/>
-        </p:nvSpPr>
-        <p:spPr>
-          <a:xfrm>
-            <a:off x="4491907" y="1909450"/>
+            <a:off x="1816035" y="1200847"/>
             <a:ext cx="3423992" cy="2228153"/>
           </a:xfrm>
           <a:prstGeom prst="ellipse">
@@ -3490,8 +3428,8 @@
         </p:nvSpPr>
         <p:spPr>
           <a:xfrm>
-            <a:off x="5933588" y="1838391"/>
-            <a:ext cx="3483486" cy="2446608"/>
+            <a:off x="3151477" y="1200846"/>
+            <a:ext cx="3483486" cy="2228153"/>
           </a:xfrm>
           <a:prstGeom prst="ellipse">
             <a:avLst/>
@@ -3554,7 +3492,7 @@
         </p:nvSpPr>
         <p:spPr>
           <a:xfrm>
-            <a:off x="7781728" y="1898838"/>
+            <a:off x="4718594" y="1241677"/>
             <a:ext cx="571779" cy="215444"/>
           </a:xfrm>
           <a:prstGeom prst="rect">
@@ -3595,8 +3533,8 @@
         </p:nvSpPr>
         <p:spPr>
           <a:xfrm>
-            <a:off x="4885699" y="2190059"/>
-            <a:ext cx="2729850" cy="1707822"/>
+            <a:off x="2457854" y="1474874"/>
+            <a:ext cx="2435101" cy="1707822"/>
           </a:xfrm>
           <a:prstGeom prst="ellipse">
             <a:avLst/>
@@ -3662,7 +3600,7 @@
         </p:nvSpPr>
         <p:spPr>
           <a:xfrm>
-            <a:off x="5696274" y="2238030"/>
+            <a:off x="2545560" y="2238256"/>
             <a:ext cx="514243" cy="215444"/>
           </a:xfrm>
           <a:prstGeom prst="rect">
@@ -3707,8 +3645,8 @@
         </p:nvSpPr>
         <p:spPr>
           <a:xfrm>
-            <a:off x="5616566" y="1957421"/>
-            <a:ext cx="654538" cy="215444"/>
+            <a:off x="3069066" y="1238960"/>
+            <a:ext cx="407869" cy="215444"/>
           </a:xfrm>
           <a:prstGeom prst="rect">
             <a:avLst/>
@@ -3725,59 +3663,6 @@
           <a:lstStyle/>
           <a:p>
             <a:r>
-              <a:rPr lang="en-GB" sz="1400" i="1">
-                <a:solidFill>
-                  <a:schemeClr val="tx2">
-                    <a:lumMod val="75000"/>
-                    <a:lumOff val="25000"/>
-                  </a:schemeClr>
-                </a:solidFill>
-              </a:rPr>
-              <a:t>exposed</a:t>
-            </a:r>
-            <a:endParaRPr lang="en-GB" sz="1400" i="1" dirty="0">
-              <a:solidFill>
-                <a:schemeClr val="tx2">
-                  <a:lumMod val="75000"/>
-                  <a:lumOff val="25000"/>
-                </a:schemeClr>
-              </a:solidFill>
-            </a:endParaRPr>
-          </a:p>
-        </p:txBody>
-      </p:sp>
-      <p:sp>
-        <p:nvSpPr>
-          <p:cNvPr id="11" name="TextBox 10">
-            <a:extLst>
-              <a:ext uri="{FF2B5EF4-FFF2-40B4-BE49-F238E27FC236}">
-                <a16:creationId xmlns:a16="http://schemas.microsoft.com/office/drawing/2014/main" id="{ED301EFE-4E2B-8594-9A65-964E64C107F6}"/>
-              </a:ext>
-            </a:extLst>
-          </p:cNvPr>
-          <p:cNvSpPr txBox="1"/>
-          <p:nvPr/>
-        </p:nvSpPr>
-        <p:spPr>
-          <a:xfrm>
-            <a:off x="5517540" y="1673338"/>
-            <a:ext cx="1351011" cy="215444"/>
-          </a:xfrm>
-          <a:prstGeom prst="rect">
-            <a:avLst/>
-          </a:prstGeom>
-          <a:noFill/>
-          <a:ln>
-            <a:noFill/>
-          </a:ln>
-        </p:spPr>
-        <p:txBody>
-          <a:bodyPr wrap="none" lIns="0" tIns="0" rIns="0" bIns="0" rtlCol="0">
-            <a:spAutoFit/>
-          </a:bodyPr>
-          <a:lstStyle/>
-          <a:p>
-            <a:r>
               <a:rPr lang="en-GB" sz="1400" i="1" dirty="0">
                 <a:solidFill>
                   <a:schemeClr val="tx2">
@@ -3786,7 +3671,7 @@
                   </a:schemeClr>
                 </a:solidFill>
               </a:rPr>
-              <a:t>eventually steady</a:t>
+              <a:t>outer</a:t>
             </a:r>
           </a:p>
         </p:txBody>
@@ -3805,7 +3690,7 @@
         </p:nvSpPr>
         <p:spPr>
           <a:xfrm>
-            <a:off x="6096000" y="2644694"/>
+            <a:off x="3313889" y="1946703"/>
             <a:ext cx="1253120" cy="798551"/>
           </a:xfrm>
           <a:prstGeom prst="ellipse">
@@ -3872,7 +3757,7 @@
         </p:nvSpPr>
         <p:spPr>
           <a:xfrm>
-            <a:off x="6296961" y="2769166"/>
+            <a:off x="3459962" y="2238256"/>
             <a:ext cx="370818" cy="215444"/>
           </a:xfrm>
           <a:prstGeom prst="rect">
@@ -3917,8 +3802,8 @@
         </p:nvSpPr>
         <p:spPr>
           <a:xfrm>
-            <a:off x="6667779" y="2142087"/>
-            <a:ext cx="2496244" cy="1835887"/>
+            <a:off x="3885668" y="1474873"/>
+            <a:ext cx="2515132" cy="1707823"/>
           </a:xfrm>
           <a:prstGeom prst="ellipse">
             <a:avLst/>
@@ -3981,7 +3866,7 @@
         </p:nvSpPr>
         <p:spPr>
           <a:xfrm>
-            <a:off x="8281319" y="2612933"/>
+            <a:off x="5159765" y="1640952"/>
             <a:ext cx="737542" cy="215444"/>
           </a:xfrm>
           <a:prstGeom prst="rect">
@@ -4005,6 +3890,342 @@
               </a:rPr>
               <a:t>complete</a:t>
             </a:r>
+          </a:p>
+        </p:txBody>
+      </p:sp>
+      <p:sp>
+        <p:nvSpPr>
+          <p:cNvPr id="5" name="Oval 4">
+            <a:extLst>
+              <a:ext uri="{FF2B5EF4-FFF2-40B4-BE49-F238E27FC236}">
+                <a16:creationId xmlns:a16="http://schemas.microsoft.com/office/drawing/2014/main" id="{1A155F27-2B4C-50B5-AFD9-0BD7A6895D7F}"/>
+              </a:ext>
+            </a:extLst>
+          </p:cNvPr>
+          <p:cNvSpPr/>
+          <p:nvPr/>
+        </p:nvSpPr>
+        <p:spPr>
+          <a:xfrm>
+            <a:off x="4928557" y="1946703"/>
+            <a:ext cx="1253120" cy="798551"/>
+          </a:xfrm>
+          <a:prstGeom prst="ellipse">
+            <a:avLst/>
+          </a:prstGeom>
+          <a:solidFill>
+            <a:schemeClr val="tx2">
+              <a:lumMod val="50000"/>
+              <a:lumOff val="50000"/>
+              <a:alpha val="5098"/>
+            </a:schemeClr>
+          </a:solidFill>
+          <a:ln>
+            <a:solidFill>
+              <a:schemeClr val="tx2">
+                <a:lumMod val="75000"/>
+                <a:lumOff val="25000"/>
+              </a:schemeClr>
+            </a:solidFill>
+          </a:ln>
+        </p:spPr>
+        <p:style>
+          <a:lnRef idx="2">
+            <a:schemeClr val="dk1">
+              <a:shade val="15000"/>
+            </a:schemeClr>
+          </a:lnRef>
+          <a:fillRef idx="1">
+            <a:schemeClr val="dk1"/>
+          </a:fillRef>
+          <a:effectRef idx="0">
+            <a:schemeClr val="dk1"/>
+          </a:effectRef>
+          <a:fontRef idx="minor">
+            <a:schemeClr val="lt1"/>
+          </a:fontRef>
+        </p:style>
+        <p:txBody>
+          <a:bodyPr wrap="square" lIns="0" tIns="0" rIns="0" bIns="0" rtlCol="0" anchor="t" anchorCtr="0"/>
+          <a:lstStyle/>
+          <a:p>
+            <a:pPr algn="ctr"/>
+            <a:endParaRPr lang="en-GB" sz="1400" dirty="0">
+              <a:solidFill>
+                <a:schemeClr val="accent4">
+                  <a:lumMod val="50000"/>
+                </a:schemeClr>
+              </a:solidFill>
+            </a:endParaRPr>
+          </a:p>
+        </p:txBody>
+      </p:sp>
+      <p:sp>
+        <p:nvSpPr>
+          <p:cNvPr id="6" name="TextBox 5">
+            <a:extLst>
+              <a:ext uri="{FF2B5EF4-FFF2-40B4-BE49-F238E27FC236}">
+                <a16:creationId xmlns:a16="http://schemas.microsoft.com/office/drawing/2014/main" id="{32F26E0C-E661-D207-AAD8-B9B25C56EC29}"/>
+              </a:ext>
+            </a:extLst>
+          </p:cNvPr>
+          <p:cNvSpPr txBox="1"/>
+          <p:nvPr/>
+        </p:nvSpPr>
+        <p:spPr>
+          <a:xfrm>
+            <a:off x="5528536" y="2238256"/>
+            <a:ext cx="551739" cy="215444"/>
+          </a:xfrm>
+          <a:prstGeom prst="rect">
+            <a:avLst/>
+          </a:prstGeom>
+          <a:noFill/>
+          <a:ln>
+            <a:noFill/>
+          </a:ln>
+        </p:spPr>
+        <p:txBody>
+          <a:bodyPr wrap="square" lIns="0" tIns="0" rIns="0" bIns="0" rtlCol="0">
+            <a:spAutoFit/>
+          </a:bodyPr>
+          <a:lstStyle/>
+          <a:p>
+            <a:r>
+              <a:rPr lang="en-GB" sz="1400" i="1" dirty="0">
+                <a:solidFill>
+                  <a:schemeClr val="tx2">
+                    <a:lumMod val="75000"/>
+                    <a:lumOff val="25000"/>
+                  </a:schemeClr>
+                </a:solidFill>
+              </a:rPr>
+              <a:t>absent</a:t>
+            </a:r>
+          </a:p>
+        </p:txBody>
+      </p:sp>
+      <p:sp>
+        <p:nvSpPr>
+          <p:cNvPr id="16" name="TextBox 15">
+            <a:extLst>
+              <a:ext uri="{FF2B5EF4-FFF2-40B4-BE49-F238E27FC236}">
+                <a16:creationId xmlns:a16="http://schemas.microsoft.com/office/drawing/2014/main" id="{F87D5E65-CE22-7BA9-2965-F86BC6C4527E}"/>
+              </a:ext>
+            </a:extLst>
+          </p:cNvPr>
+          <p:cNvSpPr txBox="1"/>
+          <p:nvPr/>
+        </p:nvSpPr>
+        <p:spPr>
+          <a:xfrm>
+            <a:off x="7730816" y="2238256"/>
+            <a:ext cx="407869" cy="215444"/>
+          </a:xfrm>
+          <a:prstGeom prst="rect">
+            <a:avLst/>
+          </a:prstGeom>
+          <a:noFill/>
+          <a:ln>
+            <a:noFill/>
+          </a:ln>
+        </p:spPr>
+        <p:txBody>
+          <a:bodyPr wrap="none" lIns="0" tIns="0" rIns="0" bIns="0" rtlCol="0">
+            <a:spAutoFit/>
+          </a:bodyPr>
+          <a:lstStyle/>
+          <a:p>
+            <a:r>
+              <a:rPr lang="en-GB" sz="1400" i="1" dirty="0">
+                <a:solidFill>
+                  <a:schemeClr val="tx2">
+                    <a:lumMod val="75000"/>
+                    <a:lumOff val="25000"/>
+                  </a:schemeClr>
+                </a:solidFill>
+              </a:rPr>
+              <a:t>outer</a:t>
+            </a:r>
+          </a:p>
+        </p:txBody>
+      </p:sp>
+      <p:sp>
+        <p:nvSpPr>
+          <p:cNvPr id="17" name="Oval 16">
+            <a:extLst>
+              <a:ext uri="{FF2B5EF4-FFF2-40B4-BE49-F238E27FC236}">
+                <a16:creationId xmlns:a16="http://schemas.microsoft.com/office/drawing/2014/main" id="{9A162325-5B41-534A-A3D4-5D150C7398D0}"/>
+              </a:ext>
+            </a:extLst>
+          </p:cNvPr>
+          <p:cNvSpPr/>
+          <p:nvPr/>
+        </p:nvSpPr>
+        <p:spPr>
+          <a:xfrm>
+            <a:off x="8393320" y="1946703"/>
+            <a:ext cx="1253120" cy="798551"/>
+          </a:xfrm>
+          <a:prstGeom prst="ellipse">
+            <a:avLst/>
+          </a:prstGeom>
+          <a:solidFill>
+            <a:schemeClr val="tx2">
+              <a:lumMod val="50000"/>
+              <a:lumOff val="50000"/>
+              <a:alpha val="5098"/>
+            </a:schemeClr>
+          </a:solidFill>
+          <a:ln>
+            <a:solidFill>
+              <a:schemeClr val="tx2">
+                <a:lumMod val="75000"/>
+                <a:lumOff val="25000"/>
+              </a:schemeClr>
+            </a:solidFill>
+          </a:ln>
+        </p:spPr>
+        <p:style>
+          <a:lnRef idx="2">
+            <a:schemeClr val="dk1">
+              <a:shade val="15000"/>
+            </a:schemeClr>
+          </a:lnRef>
+          <a:fillRef idx="1">
+            <a:schemeClr val="dk1"/>
+          </a:fillRef>
+          <a:effectRef idx="0">
+            <a:schemeClr val="dk1"/>
+          </a:effectRef>
+          <a:fontRef idx="minor">
+            <a:schemeClr val="lt1"/>
+          </a:fontRef>
+        </p:style>
+        <p:txBody>
+          <a:bodyPr wrap="square" lIns="0" tIns="0" rIns="0" bIns="0" rtlCol="0" anchor="t" anchorCtr="0"/>
+          <a:lstStyle/>
+          <a:p>
+            <a:pPr algn="ctr"/>
+            <a:endParaRPr lang="en-GB" sz="1400" dirty="0">
+              <a:solidFill>
+                <a:schemeClr val="accent4">
+                  <a:lumMod val="50000"/>
+                </a:schemeClr>
+              </a:solidFill>
+            </a:endParaRPr>
+          </a:p>
+        </p:txBody>
+      </p:sp>
+      <p:sp>
+        <p:nvSpPr>
+          <p:cNvPr id="18" name="TextBox 17">
+            <a:extLst>
+              <a:ext uri="{FF2B5EF4-FFF2-40B4-BE49-F238E27FC236}">
+                <a16:creationId xmlns:a16="http://schemas.microsoft.com/office/drawing/2014/main" id="{E461A1CE-99CB-5784-C40C-E789ABA6D1F6}"/>
+              </a:ext>
+            </a:extLst>
+          </p:cNvPr>
+          <p:cNvSpPr txBox="1"/>
+          <p:nvPr/>
+        </p:nvSpPr>
+        <p:spPr>
+          <a:xfrm>
+            <a:off x="8993299" y="2238256"/>
+            <a:ext cx="551739" cy="215444"/>
+          </a:xfrm>
+          <a:prstGeom prst="rect">
+            <a:avLst/>
+          </a:prstGeom>
+          <a:noFill/>
+          <a:ln>
+            <a:noFill/>
+          </a:ln>
+        </p:spPr>
+        <p:txBody>
+          <a:bodyPr wrap="square" lIns="0" tIns="0" rIns="0" bIns="0" rtlCol="0">
+            <a:spAutoFit/>
+          </a:bodyPr>
+          <a:lstStyle/>
+          <a:p>
+            <a:r>
+              <a:rPr lang="en-GB" sz="1400" i="1" dirty="0">
+                <a:solidFill>
+                  <a:schemeClr val="tx2">
+                    <a:lumMod val="75000"/>
+                    <a:lumOff val="25000"/>
+                  </a:schemeClr>
+                </a:solidFill>
+              </a:rPr>
+              <a:t>absent</a:t>
+            </a:r>
+          </a:p>
+        </p:txBody>
+      </p:sp>
+      <p:sp>
+        <p:nvSpPr>
+          <p:cNvPr id="21" name="Oval 20">
+            <a:extLst>
+              <a:ext uri="{FF2B5EF4-FFF2-40B4-BE49-F238E27FC236}">
+                <a16:creationId xmlns:a16="http://schemas.microsoft.com/office/drawing/2014/main" id="{8ED26522-3FBB-A3CA-848A-28136A63536D}"/>
+              </a:ext>
+            </a:extLst>
+          </p:cNvPr>
+          <p:cNvSpPr/>
+          <p:nvPr/>
+        </p:nvSpPr>
+        <p:spPr>
+          <a:xfrm>
+            <a:off x="7638777" y="1945515"/>
+            <a:ext cx="1253120" cy="798551"/>
+          </a:xfrm>
+          <a:prstGeom prst="ellipse">
+            <a:avLst/>
+          </a:prstGeom>
+          <a:solidFill>
+            <a:schemeClr val="tx2">
+              <a:lumMod val="50000"/>
+              <a:lumOff val="50000"/>
+              <a:alpha val="5098"/>
+            </a:schemeClr>
+          </a:solidFill>
+          <a:ln>
+            <a:solidFill>
+              <a:schemeClr val="tx2">
+                <a:lumMod val="75000"/>
+                <a:lumOff val="25000"/>
+              </a:schemeClr>
+            </a:solidFill>
+          </a:ln>
+        </p:spPr>
+        <p:style>
+          <a:lnRef idx="2">
+            <a:schemeClr val="dk1">
+              <a:shade val="15000"/>
+            </a:schemeClr>
+          </a:lnRef>
+          <a:fillRef idx="1">
+            <a:schemeClr val="dk1"/>
+          </a:fillRef>
+          <a:effectRef idx="0">
+            <a:schemeClr val="dk1"/>
+          </a:effectRef>
+          <a:fontRef idx="minor">
+            <a:schemeClr val="lt1"/>
+          </a:fontRef>
+        </p:style>
+        <p:txBody>
+          <a:bodyPr wrap="square" lIns="0" tIns="0" rIns="0" bIns="0" rtlCol="0" anchor="t" anchorCtr="0"/>
+          <a:lstStyle/>
+          <a:p>
+            <a:pPr algn="ctr"/>
+            <a:endParaRPr lang="en-GB" sz="1400" dirty="0">
+              <a:solidFill>
+                <a:schemeClr val="accent4">
+                  <a:lumMod val="50000"/>
+                </a:schemeClr>
+              </a:solidFill>
+            </a:endParaRPr>
           </a:p>
         </p:txBody>
       </p:sp>

--- a/doc/exploration/figs/figs.pptx
+++ b/doc/exploration/figs/figs.pptx
@@ -3349,6 +3349,140 @@
       </p:grpSpPr>
       <p:sp>
         <p:nvSpPr>
+          <p:cNvPr id="25" name="Oval 24">
+            <a:extLst>
+              <a:ext uri="{FF2B5EF4-FFF2-40B4-BE49-F238E27FC236}">
+                <a16:creationId xmlns:a16="http://schemas.microsoft.com/office/drawing/2014/main" id="{82834FDE-6C90-0A21-AA85-5E86D5FB2086}"/>
+              </a:ext>
+            </a:extLst>
+          </p:cNvPr>
+          <p:cNvSpPr/>
+          <p:nvPr/>
+        </p:nvSpPr>
+        <p:spPr>
+          <a:xfrm>
+            <a:off x="7206742" y="1699099"/>
+            <a:ext cx="1897496" cy="1309990"/>
+          </a:xfrm>
+          <a:prstGeom prst="ellipse">
+            <a:avLst/>
+          </a:prstGeom>
+          <a:solidFill>
+            <a:schemeClr val="tx2">
+              <a:lumMod val="50000"/>
+              <a:lumOff val="50000"/>
+              <a:alpha val="5098"/>
+            </a:schemeClr>
+          </a:solidFill>
+          <a:ln>
+            <a:solidFill>
+              <a:schemeClr val="tx2">
+                <a:lumMod val="75000"/>
+                <a:lumOff val="25000"/>
+              </a:schemeClr>
+            </a:solidFill>
+          </a:ln>
+        </p:spPr>
+        <p:style>
+          <a:lnRef idx="2">
+            <a:schemeClr val="dk1">
+              <a:shade val="15000"/>
+            </a:schemeClr>
+          </a:lnRef>
+          <a:fillRef idx="1">
+            <a:schemeClr val="dk1"/>
+          </a:fillRef>
+          <a:effectRef idx="0">
+            <a:schemeClr val="dk1"/>
+          </a:effectRef>
+          <a:fontRef idx="minor">
+            <a:schemeClr val="lt1"/>
+          </a:fontRef>
+        </p:style>
+        <p:txBody>
+          <a:bodyPr wrap="square" lIns="0" tIns="0" rIns="0" bIns="0" rtlCol="0" anchor="t" anchorCtr="0"/>
+          <a:lstStyle/>
+          <a:p>
+            <a:pPr algn="ctr"/>
+            <a:endParaRPr lang="en-GB" sz="1400" dirty="0">
+              <a:solidFill>
+                <a:schemeClr val="accent4">
+                  <a:lumMod val="50000"/>
+                </a:schemeClr>
+              </a:solidFill>
+            </a:endParaRPr>
+          </a:p>
+        </p:txBody>
+      </p:sp>
+      <p:sp>
+        <p:nvSpPr>
+          <p:cNvPr id="21" name="Oval 20">
+            <a:extLst>
+              <a:ext uri="{FF2B5EF4-FFF2-40B4-BE49-F238E27FC236}">
+                <a16:creationId xmlns:a16="http://schemas.microsoft.com/office/drawing/2014/main" id="{8ED26522-3FBB-A3CA-848A-28136A63536D}"/>
+              </a:ext>
+            </a:extLst>
+          </p:cNvPr>
+          <p:cNvSpPr/>
+          <p:nvPr/>
+        </p:nvSpPr>
+        <p:spPr>
+          <a:xfrm>
+            <a:off x="7554472" y="1945515"/>
+            <a:ext cx="1253120" cy="798551"/>
+          </a:xfrm>
+          <a:prstGeom prst="ellipse">
+            <a:avLst/>
+          </a:prstGeom>
+          <a:solidFill>
+            <a:schemeClr val="tx2">
+              <a:lumMod val="50000"/>
+              <a:lumOff val="50000"/>
+              <a:alpha val="5098"/>
+            </a:schemeClr>
+          </a:solidFill>
+          <a:ln>
+            <a:solidFill>
+              <a:schemeClr val="tx2">
+                <a:lumMod val="75000"/>
+                <a:lumOff val="25000"/>
+              </a:schemeClr>
+            </a:solidFill>
+          </a:ln>
+        </p:spPr>
+        <p:style>
+          <a:lnRef idx="2">
+            <a:schemeClr val="dk1">
+              <a:shade val="15000"/>
+            </a:schemeClr>
+          </a:lnRef>
+          <a:fillRef idx="1">
+            <a:schemeClr val="dk1"/>
+          </a:fillRef>
+          <a:effectRef idx="0">
+            <a:schemeClr val="dk1"/>
+          </a:effectRef>
+          <a:fontRef idx="minor">
+            <a:schemeClr val="lt1"/>
+          </a:fontRef>
+        </p:style>
+        <p:txBody>
+          <a:bodyPr wrap="square" lIns="0" tIns="0" rIns="0" bIns="0" rtlCol="0" anchor="t" anchorCtr="0"/>
+          <a:lstStyle/>
+          <a:p>
+            <a:pPr algn="ctr"/>
+            <a:endParaRPr lang="en-GB" sz="1400" dirty="0">
+              <a:solidFill>
+                <a:schemeClr val="accent4">
+                  <a:lumMod val="50000"/>
+                </a:schemeClr>
+              </a:solidFill>
+            </a:endParaRPr>
+          </a:p>
+        </p:txBody>
+      </p:sp>
+      <p:sp>
+        <p:nvSpPr>
           <p:cNvPr id="8" name="Oval 7">
             <a:extLst>
               <a:ext uri="{FF2B5EF4-FFF2-40B4-BE49-F238E27FC236}">
@@ -4019,8 +4153,8 @@
         </p:nvSpPr>
         <p:spPr>
           <a:xfrm>
-            <a:off x="7730816" y="2238256"/>
-            <a:ext cx="407869" cy="215444"/>
+            <a:off x="7633541" y="2238256"/>
+            <a:ext cx="539315" cy="215444"/>
           </a:xfrm>
           <a:prstGeom prst="rect">
             <a:avLst/>
@@ -4045,7 +4179,7 @@
                   </a:schemeClr>
                 </a:solidFill>
               </a:rPr>
-              <a:t>outer</a:t>
+              <a:t>atomic</a:t>
             </a:r>
           </a:p>
         </p:txBody>
@@ -4064,7 +4198,7 @@
         </p:nvSpPr>
         <p:spPr>
           <a:xfrm>
-            <a:off x="8393320" y="1946703"/>
+            <a:off x="8516535" y="1946703"/>
             <a:ext cx="1253120" cy="798551"/>
           </a:xfrm>
           <a:prstGeom prst="ellipse">
@@ -4131,7 +4265,7 @@
         </p:nvSpPr>
         <p:spPr>
           <a:xfrm>
-            <a:off x="8993299" y="2238256"/>
+            <a:off x="9161077" y="2238256"/>
             <a:ext cx="551739" cy="215444"/>
           </a:xfrm>
           <a:prstGeom prst="rect">
@@ -4164,68 +4298,46 @@
       </p:sp>
       <p:sp>
         <p:nvSpPr>
-          <p:cNvPr id="21" name="Oval 20">
-            <a:extLst>
-              <a:ext uri="{FF2B5EF4-FFF2-40B4-BE49-F238E27FC236}">
-                <a16:creationId xmlns:a16="http://schemas.microsoft.com/office/drawing/2014/main" id="{8ED26522-3FBB-A3CA-848A-28136A63536D}"/>
-              </a:ext>
-            </a:extLst>
-          </p:cNvPr>
-          <p:cNvSpPr/>
+          <p:cNvPr id="26" name="TextBox 25">
+            <a:extLst>
+              <a:ext uri="{FF2B5EF4-FFF2-40B4-BE49-F238E27FC236}">
+                <a16:creationId xmlns:a16="http://schemas.microsoft.com/office/drawing/2014/main" id="{93746795-33A0-0FF3-AAD3-5A521A56F217}"/>
+              </a:ext>
+            </a:extLst>
+          </p:cNvPr>
+          <p:cNvSpPr txBox="1"/>
           <p:nvPr/>
         </p:nvSpPr>
         <p:spPr>
           <a:xfrm>
-            <a:off x="7638777" y="1945515"/>
-            <a:ext cx="1253120" cy="798551"/>
+            <a:off x="7951556" y="1723400"/>
+            <a:ext cx="407869" cy="215444"/>
           </a:xfrm>
-          <a:prstGeom prst="ellipse">
+          <a:prstGeom prst="rect">
             <a:avLst/>
           </a:prstGeom>
-          <a:solidFill>
-            <a:schemeClr val="tx2">
-              <a:lumMod val="50000"/>
-              <a:lumOff val="50000"/>
-              <a:alpha val="5098"/>
-            </a:schemeClr>
-          </a:solidFill>
+          <a:noFill/>
           <a:ln>
-            <a:solidFill>
-              <a:schemeClr val="tx2">
-                <a:lumMod val="75000"/>
-                <a:lumOff val="25000"/>
-              </a:schemeClr>
-            </a:solidFill>
+            <a:noFill/>
           </a:ln>
         </p:spPr>
-        <p:style>
-          <a:lnRef idx="2">
-            <a:schemeClr val="dk1">
-              <a:shade val="15000"/>
-            </a:schemeClr>
-          </a:lnRef>
-          <a:fillRef idx="1">
-            <a:schemeClr val="dk1"/>
-          </a:fillRef>
-          <a:effectRef idx="0">
-            <a:schemeClr val="dk1"/>
-          </a:effectRef>
-          <a:fontRef idx="minor">
-            <a:schemeClr val="lt1"/>
-          </a:fontRef>
-        </p:style>
-        <p:txBody>
-          <a:bodyPr wrap="square" lIns="0" tIns="0" rIns="0" bIns="0" rtlCol="0" anchor="t" anchorCtr="0"/>
-          <a:lstStyle/>
-          <a:p>
-            <a:pPr algn="ctr"/>
-            <a:endParaRPr lang="en-GB" sz="1400" dirty="0">
-              <a:solidFill>
-                <a:schemeClr val="accent4">
-                  <a:lumMod val="50000"/>
-                </a:schemeClr>
-              </a:solidFill>
-            </a:endParaRPr>
+        <p:txBody>
+          <a:bodyPr wrap="none" lIns="0" tIns="0" rIns="0" bIns="0" rtlCol="0">
+            <a:spAutoFit/>
+          </a:bodyPr>
+          <a:lstStyle/>
+          <a:p>
+            <a:r>
+              <a:rPr lang="en-GB" sz="1400" i="1" dirty="0">
+                <a:solidFill>
+                  <a:schemeClr val="tx2">
+                    <a:lumMod val="75000"/>
+                    <a:lumOff val="25000"/>
+                  </a:schemeClr>
+                </a:solidFill>
+              </a:rPr>
+              <a:t>outer</a:t>
+            </a:r>
           </a:p>
         </p:txBody>
       </p:sp>

--- a/doc/exploration/figs/figs.pptx
+++ b/doc/exploration/figs/figs.pptx
@@ -261,7 +261,7 @@
           <a:p>
             <a:fld id="{89C90CB0-6EC3-4EC0-A0AA-4891736AFE14}" type="datetimeFigureOut">
               <a:rPr lang="en-GB" smtClean="0"/>
-              <a:t>29/08/2024</a:t>
+              <a:t>09/09/2024</a:t>
             </a:fld>
             <a:endParaRPr lang="en-GB"/>
           </a:p>
@@ -461,7 +461,7 @@
           <a:p>
             <a:fld id="{89C90CB0-6EC3-4EC0-A0AA-4891736AFE14}" type="datetimeFigureOut">
               <a:rPr lang="en-GB" smtClean="0"/>
-              <a:t>29/08/2024</a:t>
+              <a:t>09/09/2024</a:t>
             </a:fld>
             <a:endParaRPr lang="en-GB"/>
           </a:p>
@@ -671,7 +671,7 @@
           <a:p>
             <a:fld id="{89C90CB0-6EC3-4EC0-A0AA-4891736AFE14}" type="datetimeFigureOut">
               <a:rPr lang="en-GB" smtClean="0"/>
-              <a:t>29/08/2024</a:t>
+              <a:t>09/09/2024</a:t>
             </a:fld>
             <a:endParaRPr lang="en-GB"/>
           </a:p>
@@ -871,7 +871,7 @@
           <a:p>
             <a:fld id="{89C90CB0-6EC3-4EC0-A0AA-4891736AFE14}" type="datetimeFigureOut">
               <a:rPr lang="en-GB" smtClean="0"/>
-              <a:t>29/08/2024</a:t>
+              <a:t>09/09/2024</a:t>
             </a:fld>
             <a:endParaRPr lang="en-GB"/>
           </a:p>
@@ -1147,7 +1147,7 @@
           <a:p>
             <a:fld id="{89C90CB0-6EC3-4EC0-A0AA-4891736AFE14}" type="datetimeFigureOut">
               <a:rPr lang="en-GB" smtClean="0"/>
-              <a:t>29/08/2024</a:t>
+              <a:t>09/09/2024</a:t>
             </a:fld>
             <a:endParaRPr lang="en-GB"/>
           </a:p>
@@ -1415,7 +1415,7 @@
           <a:p>
             <a:fld id="{89C90CB0-6EC3-4EC0-A0AA-4891736AFE14}" type="datetimeFigureOut">
               <a:rPr lang="en-GB" smtClean="0"/>
-              <a:t>29/08/2024</a:t>
+              <a:t>09/09/2024</a:t>
             </a:fld>
             <a:endParaRPr lang="en-GB"/>
           </a:p>
@@ -1830,7 +1830,7 @@
           <a:p>
             <a:fld id="{89C90CB0-6EC3-4EC0-A0AA-4891736AFE14}" type="datetimeFigureOut">
               <a:rPr lang="en-GB" smtClean="0"/>
-              <a:t>29/08/2024</a:t>
+              <a:t>09/09/2024</a:t>
             </a:fld>
             <a:endParaRPr lang="en-GB"/>
           </a:p>
@@ -1972,7 +1972,7 @@
           <a:p>
             <a:fld id="{89C90CB0-6EC3-4EC0-A0AA-4891736AFE14}" type="datetimeFigureOut">
               <a:rPr lang="en-GB" smtClean="0"/>
-              <a:t>29/08/2024</a:t>
+              <a:t>09/09/2024</a:t>
             </a:fld>
             <a:endParaRPr lang="en-GB"/>
           </a:p>
@@ -2085,7 +2085,7 @@
           <a:p>
             <a:fld id="{89C90CB0-6EC3-4EC0-A0AA-4891736AFE14}" type="datetimeFigureOut">
               <a:rPr lang="en-GB" smtClean="0"/>
-              <a:t>29/08/2024</a:t>
+              <a:t>09/09/2024</a:t>
             </a:fld>
             <a:endParaRPr lang="en-GB"/>
           </a:p>
@@ -2398,7 +2398,7 @@
           <a:p>
             <a:fld id="{89C90CB0-6EC3-4EC0-A0AA-4891736AFE14}" type="datetimeFigureOut">
               <a:rPr lang="en-GB" smtClean="0"/>
-              <a:t>29/08/2024</a:t>
+              <a:t>09/09/2024</a:t>
             </a:fld>
             <a:endParaRPr lang="en-GB"/>
           </a:p>
@@ -2687,7 +2687,7 @@
           <a:p>
             <a:fld id="{89C90CB0-6EC3-4EC0-A0AA-4891736AFE14}" type="datetimeFigureOut">
               <a:rPr lang="en-GB" smtClean="0"/>
-              <a:t>29/08/2024</a:t>
+              <a:t>09/09/2024</a:t>
             </a:fld>
             <a:endParaRPr lang="en-GB"/>
           </a:p>
@@ -2930,7 +2930,7 @@
           <a:p>
             <a:fld id="{89C90CB0-6EC3-4EC0-A0AA-4891736AFE14}" type="datetimeFigureOut">
               <a:rPr lang="en-GB" smtClean="0"/>
-              <a:t>29/08/2024</a:t>
+              <a:t>09/09/2024</a:t>
             </a:fld>
             <a:endParaRPr lang="en-GB"/>
           </a:p>
@@ -3349,10 +3349,10 @@
       </p:grpSpPr>
       <p:sp>
         <p:nvSpPr>
-          <p:cNvPr id="25" name="Oval 24">
-            <a:extLst>
-              <a:ext uri="{FF2B5EF4-FFF2-40B4-BE49-F238E27FC236}">
-                <a16:creationId xmlns:a16="http://schemas.microsoft.com/office/drawing/2014/main" id="{82834FDE-6C90-0A21-AA85-5E86D5FB2086}"/>
+          <p:cNvPr id="34" name="Oval 33">
+            <a:extLst>
+              <a:ext uri="{FF2B5EF4-FFF2-40B4-BE49-F238E27FC236}">
+                <a16:creationId xmlns:a16="http://schemas.microsoft.com/office/drawing/2014/main" id="{5B105DC8-EC49-1917-326D-25D6089179AA}"/>
               </a:ext>
             </a:extLst>
           </p:cNvPr>
@@ -3361,8 +3361,8 @@
         </p:nvSpPr>
         <p:spPr>
           <a:xfrm>
-            <a:off x="7206742" y="1699099"/>
-            <a:ext cx="1897496" cy="1309990"/>
+            <a:off x="7715251" y="3797032"/>
+            <a:ext cx="2381250" cy="1760806"/>
           </a:xfrm>
           <a:prstGeom prst="ellipse">
             <a:avLst/>
@@ -3404,22 +3404,24 @@
           <a:lstStyle/>
           <a:p>
             <a:pPr algn="ctr"/>
-            <a:endParaRPr lang="en-GB" sz="1400" dirty="0">
+            <a:endParaRPr lang="en-GB" sz="1600" dirty="0">
               <a:solidFill>
                 <a:schemeClr val="accent4">
                   <a:lumMod val="50000"/>
                 </a:schemeClr>
               </a:solidFill>
+              <a:latin typeface="Times New Roman" panose="02020603050405020304" pitchFamily="18" charset="0"/>
+              <a:cs typeface="Times New Roman" panose="02020603050405020304" pitchFamily="18" charset="0"/>
             </a:endParaRPr>
           </a:p>
         </p:txBody>
       </p:sp>
       <p:sp>
         <p:nvSpPr>
-          <p:cNvPr id="21" name="Oval 20">
-            <a:extLst>
-              <a:ext uri="{FF2B5EF4-FFF2-40B4-BE49-F238E27FC236}">
-                <a16:creationId xmlns:a16="http://schemas.microsoft.com/office/drawing/2014/main" id="{8ED26522-3FBB-A3CA-848A-28136A63536D}"/>
+          <p:cNvPr id="40" name="Oval 39">
+            <a:extLst>
+              <a:ext uri="{FF2B5EF4-FFF2-40B4-BE49-F238E27FC236}">
+                <a16:creationId xmlns:a16="http://schemas.microsoft.com/office/drawing/2014/main" id="{89041C23-B3DD-36B6-BCCC-80B03523E8CF}"/>
               </a:ext>
             </a:extLst>
           </p:cNvPr>
@@ -3428,8 +3430,8 @@
         </p:nvSpPr>
         <p:spPr>
           <a:xfrm>
-            <a:off x="7554472" y="1945515"/>
-            <a:ext cx="1253120" cy="798551"/>
+            <a:off x="7990214" y="4048360"/>
+            <a:ext cx="1839585" cy="1280878"/>
           </a:xfrm>
           <a:prstGeom prst="ellipse">
             <a:avLst/>
@@ -3471,22 +3473,24 @@
           <a:lstStyle/>
           <a:p>
             <a:pPr algn="ctr"/>
-            <a:endParaRPr lang="en-GB" sz="1400" dirty="0">
+            <a:endParaRPr lang="en-GB" sz="1600" dirty="0">
               <a:solidFill>
                 <a:schemeClr val="accent4">
                   <a:lumMod val="50000"/>
                 </a:schemeClr>
               </a:solidFill>
+              <a:latin typeface="Times New Roman" panose="02020603050405020304" pitchFamily="18" charset="0"/>
+              <a:cs typeface="Times New Roman" panose="02020603050405020304" pitchFamily="18" charset="0"/>
             </a:endParaRPr>
           </a:p>
         </p:txBody>
       </p:sp>
       <p:sp>
         <p:nvSpPr>
-          <p:cNvPr id="8" name="Oval 7">
-            <a:extLst>
-              <a:ext uri="{FF2B5EF4-FFF2-40B4-BE49-F238E27FC236}">
-                <a16:creationId xmlns:a16="http://schemas.microsoft.com/office/drawing/2014/main" id="{9D2075C2-68E0-C296-7E9A-B627A3D13F22}"/>
+          <p:cNvPr id="32" name="Oval 31">
+            <a:extLst>
+              <a:ext uri="{FF2B5EF4-FFF2-40B4-BE49-F238E27FC236}">
+                <a16:creationId xmlns:a16="http://schemas.microsoft.com/office/drawing/2014/main" id="{4C0EEE2D-5541-31C9-5D1A-D5039C57458C}"/>
               </a:ext>
             </a:extLst>
           </p:cNvPr>
@@ -3495,8 +3499,8 @@
         </p:nvSpPr>
         <p:spPr>
           <a:xfrm>
-            <a:off x="1816035" y="1200847"/>
-            <a:ext cx="3423992" cy="2228153"/>
+            <a:off x="1866899" y="3762375"/>
+            <a:ext cx="3626409" cy="2543175"/>
           </a:xfrm>
           <a:prstGeom prst="ellipse">
             <a:avLst/>
@@ -3538,22 +3542,24 @@
           <a:lstStyle/>
           <a:p>
             <a:pPr algn="ctr"/>
-            <a:endParaRPr lang="en-GB" sz="1400" dirty="0">
+            <a:endParaRPr lang="en-GB" sz="1600" dirty="0">
               <a:solidFill>
                 <a:schemeClr val="accent4">
                   <a:lumMod val="50000"/>
                 </a:schemeClr>
               </a:solidFill>
+              <a:latin typeface="Times New Roman" panose="02020603050405020304" pitchFamily="18" charset="0"/>
+              <a:cs typeface="Times New Roman" panose="02020603050405020304" pitchFamily="18" charset="0"/>
             </a:endParaRPr>
           </a:p>
         </p:txBody>
       </p:sp>
       <p:sp>
         <p:nvSpPr>
-          <p:cNvPr id="13" name="Oval 12">
-            <a:extLst>
-              <a:ext uri="{FF2B5EF4-FFF2-40B4-BE49-F238E27FC236}">
-                <a16:creationId xmlns:a16="http://schemas.microsoft.com/office/drawing/2014/main" id="{12E4A0DE-B283-E828-20A0-DB8A2D57C63C}"/>
+          <p:cNvPr id="25" name="Oval 24">
+            <a:extLst>
+              <a:ext uri="{FF2B5EF4-FFF2-40B4-BE49-F238E27FC236}">
+                <a16:creationId xmlns:a16="http://schemas.microsoft.com/office/drawing/2014/main" id="{82834FDE-6C90-0A21-AA85-5E86D5FB2086}"/>
               </a:ext>
             </a:extLst>
           </p:cNvPr>
@@ -3562,113 +3568,8 @@
         </p:nvSpPr>
         <p:spPr>
           <a:xfrm>
-            <a:off x="3151477" y="1200846"/>
-            <a:ext cx="3483486" cy="2228153"/>
-          </a:xfrm>
-          <a:prstGeom prst="ellipse">
-            <a:avLst/>
-          </a:prstGeom>
-          <a:solidFill>
-            <a:schemeClr val="accent3">
-              <a:lumMod val="60000"/>
-              <a:lumOff val="40000"/>
-              <a:alpha val="5098"/>
-            </a:schemeClr>
-          </a:solidFill>
-          <a:ln>
-            <a:solidFill>
-              <a:schemeClr val="accent3">
-                <a:lumMod val="75000"/>
-              </a:schemeClr>
-            </a:solidFill>
-          </a:ln>
-        </p:spPr>
-        <p:style>
-          <a:lnRef idx="2">
-            <a:schemeClr val="dk1">
-              <a:shade val="15000"/>
-            </a:schemeClr>
-          </a:lnRef>
-          <a:fillRef idx="1">
-            <a:schemeClr val="dk1"/>
-          </a:fillRef>
-          <a:effectRef idx="0">
-            <a:schemeClr val="dk1"/>
-          </a:effectRef>
-          <a:fontRef idx="minor">
-            <a:schemeClr val="lt1"/>
-          </a:fontRef>
-        </p:style>
-        <p:txBody>
-          <a:bodyPr wrap="square" lIns="0" tIns="0" rIns="0" bIns="0" rtlCol="0" anchor="t" anchorCtr="0"/>
-          <a:lstStyle/>
-          <a:p>
-            <a:pPr algn="ctr"/>
-            <a:endParaRPr lang="en-GB" sz="1400" dirty="0">
-              <a:solidFill>
-                <a:schemeClr val="tx1"/>
-              </a:solidFill>
-            </a:endParaRPr>
-          </a:p>
-        </p:txBody>
-      </p:sp>
-      <p:sp>
-        <p:nvSpPr>
-          <p:cNvPr id="20" name="TextBox 19">
-            <a:extLst>
-              <a:ext uri="{FF2B5EF4-FFF2-40B4-BE49-F238E27FC236}">
-                <a16:creationId xmlns:a16="http://schemas.microsoft.com/office/drawing/2014/main" id="{F5DB922B-7297-2C99-A602-FBFFECCF331A}"/>
-              </a:ext>
-            </a:extLst>
-          </p:cNvPr>
-          <p:cNvSpPr txBox="1"/>
-          <p:nvPr/>
-        </p:nvSpPr>
-        <p:spPr>
-          <a:xfrm>
-            <a:off x="4718594" y="1241677"/>
-            <a:ext cx="571779" cy="215444"/>
-          </a:xfrm>
-          <a:prstGeom prst="rect">
-            <a:avLst/>
-          </a:prstGeom>
-          <a:noFill/>
-        </p:spPr>
-        <p:txBody>
-          <a:bodyPr wrap="square" lIns="0" tIns="0" rIns="0" bIns="0" rtlCol="0">
-            <a:spAutoFit/>
-          </a:bodyPr>
-          <a:lstStyle/>
-          <a:p>
-            <a:r>
-              <a:rPr lang="en-GB" sz="1400" i="1" dirty="0">
-                <a:solidFill>
-                  <a:schemeClr val="accent3">
-                    <a:lumMod val="75000"/>
-                  </a:schemeClr>
-                </a:solidFill>
-              </a:rPr>
-              <a:t>closed</a:t>
-            </a:r>
-          </a:p>
-        </p:txBody>
-      </p:sp>
-      <p:sp>
-        <p:nvSpPr>
-          <p:cNvPr id="4" name="Oval 3">
-            <a:extLst>
-              <a:ext uri="{FF2B5EF4-FFF2-40B4-BE49-F238E27FC236}">
-                <a16:creationId xmlns:a16="http://schemas.microsoft.com/office/drawing/2014/main" id="{5EA365A0-99A4-B96F-4EAF-6EE0AC169E34}"/>
-              </a:ext>
-            </a:extLst>
-          </p:cNvPr>
-          <p:cNvSpPr/>
-          <p:nvPr/>
-        </p:nvSpPr>
-        <p:spPr>
-          <a:xfrm>
-            <a:off x="2457854" y="1474874"/>
-            <a:ext cx="2435101" cy="1707822"/>
+            <a:off x="7045343" y="1640952"/>
+            <a:ext cx="2105142" cy="1420017"/>
           </a:xfrm>
           <a:prstGeom prst="ellipse">
             <a:avLst/>
@@ -3710,112 +3611,24 @@
           <a:lstStyle/>
           <a:p>
             <a:pPr algn="ctr"/>
-            <a:endParaRPr lang="en-GB" sz="1400" dirty="0">
+            <a:endParaRPr lang="en-GB" sz="1600" dirty="0">
               <a:solidFill>
                 <a:schemeClr val="accent4">
                   <a:lumMod val="50000"/>
                 </a:schemeClr>
               </a:solidFill>
+              <a:latin typeface="Times New Roman" panose="02020603050405020304" pitchFamily="18" charset="0"/>
+              <a:cs typeface="Times New Roman" panose="02020603050405020304" pitchFamily="18" charset="0"/>
             </a:endParaRPr>
           </a:p>
         </p:txBody>
       </p:sp>
       <p:sp>
         <p:nvSpPr>
-          <p:cNvPr id="7" name="TextBox 6">
-            <a:extLst>
-              <a:ext uri="{FF2B5EF4-FFF2-40B4-BE49-F238E27FC236}">
-                <a16:creationId xmlns:a16="http://schemas.microsoft.com/office/drawing/2014/main" id="{2867882F-CBCD-1825-01C5-26B3BED81D00}"/>
-              </a:ext>
-            </a:extLst>
-          </p:cNvPr>
-          <p:cNvSpPr txBox="1"/>
-          <p:nvPr/>
-        </p:nvSpPr>
-        <p:spPr>
-          <a:xfrm>
-            <a:off x="2545560" y="2238256"/>
-            <a:ext cx="514243" cy="215444"/>
-          </a:xfrm>
-          <a:prstGeom prst="rect">
-            <a:avLst/>
-          </a:prstGeom>
-          <a:noFill/>
-          <a:ln>
-            <a:noFill/>
-          </a:ln>
-        </p:spPr>
-        <p:txBody>
-          <a:bodyPr wrap="none" lIns="0" tIns="0" rIns="0" bIns="0" rtlCol="0">
-            <a:spAutoFit/>
-          </a:bodyPr>
-          <a:lstStyle/>
-          <a:p>
-            <a:r>
-              <a:rPr lang="en-GB" sz="1400" i="1" dirty="0">
-                <a:solidFill>
-                  <a:schemeClr val="tx2">
-                    <a:lumMod val="75000"/>
-                    <a:lumOff val="25000"/>
-                  </a:schemeClr>
-                </a:solidFill>
-              </a:rPr>
-              <a:t>steady</a:t>
-            </a:r>
-          </a:p>
-        </p:txBody>
-      </p:sp>
-      <p:sp>
-        <p:nvSpPr>
-          <p:cNvPr id="9" name="TextBox 8">
-            <a:extLst>
-              <a:ext uri="{FF2B5EF4-FFF2-40B4-BE49-F238E27FC236}">
-                <a16:creationId xmlns:a16="http://schemas.microsoft.com/office/drawing/2014/main" id="{AE18E634-1C26-5BE1-3A19-36F26656ED5A}"/>
-              </a:ext>
-            </a:extLst>
-          </p:cNvPr>
-          <p:cNvSpPr txBox="1"/>
-          <p:nvPr/>
-        </p:nvSpPr>
-        <p:spPr>
-          <a:xfrm>
-            <a:off x="3069066" y="1238960"/>
-            <a:ext cx="407869" cy="215444"/>
-          </a:xfrm>
-          <a:prstGeom prst="rect">
-            <a:avLst/>
-          </a:prstGeom>
-          <a:noFill/>
-          <a:ln>
-            <a:noFill/>
-          </a:ln>
-        </p:spPr>
-        <p:txBody>
-          <a:bodyPr wrap="none" lIns="0" tIns="0" rIns="0" bIns="0" rtlCol="0">
-            <a:spAutoFit/>
-          </a:bodyPr>
-          <a:lstStyle/>
-          <a:p>
-            <a:r>
-              <a:rPr lang="en-GB" sz="1400" i="1" dirty="0">
-                <a:solidFill>
-                  <a:schemeClr val="tx2">
-                    <a:lumMod val="75000"/>
-                    <a:lumOff val="25000"/>
-                  </a:schemeClr>
-                </a:solidFill>
-              </a:rPr>
-              <a:t>outer</a:t>
-            </a:r>
-          </a:p>
-        </p:txBody>
-      </p:sp>
-      <p:sp>
-        <p:nvSpPr>
-          <p:cNvPr id="2" name="Oval 1">
-            <a:extLst>
-              <a:ext uri="{FF2B5EF4-FFF2-40B4-BE49-F238E27FC236}">
-                <a16:creationId xmlns:a16="http://schemas.microsoft.com/office/drawing/2014/main" id="{54DEEB5B-6A7A-6B0B-5900-BEACDB75CB1E}"/>
+          <p:cNvPr id="21" name="Oval 20">
+            <a:extLst>
+              <a:ext uri="{FF2B5EF4-FFF2-40B4-BE49-F238E27FC236}">
+                <a16:creationId xmlns:a16="http://schemas.microsoft.com/office/drawing/2014/main" id="{8ED26522-3FBB-A3CA-848A-28136A63536D}"/>
               </a:ext>
             </a:extLst>
           </p:cNvPr>
@@ -3824,7 +3637,7 @@
         </p:nvSpPr>
         <p:spPr>
           <a:xfrm>
-            <a:off x="3313889" y="1946703"/>
+            <a:off x="7471354" y="1946109"/>
             <a:ext cx="1253120" cy="798551"/>
           </a:xfrm>
           <a:prstGeom prst="ellipse">
@@ -3867,67 +3680,24 @@
           <a:lstStyle/>
           <a:p>
             <a:pPr algn="ctr"/>
-            <a:endParaRPr lang="en-GB" sz="1400" dirty="0">
+            <a:endParaRPr lang="en-GB" sz="1600" dirty="0">
               <a:solidFill>
                 <a:schemeClr val="accent4">
                   <a:lumMod val="50000"/>
                 </a:schemeClr>
               </a:solidFill>
+              <a:latin typeface="Times New Roman" panose="02020603050405020304" pitchFamily="18" charset="0"/>
+              <a:cs typeface="Times New Roman" panose="02020603050405020304" pitchFamily="18" charset="0"/>
             </a:endParaRPr>
           </a:p>
         </p:txBody>
       </p:sp>
       <p:sp>
         <p:nvSpPr>
-          <p:cNvPr id="3" name="TextBox 2">
-            <a:extLst>
-              <a:ext uri="{FF2B5EF4-FFF2-40B4-BE49-F238E27FC236}">
-                <a16:creationId xmlns:a16="http://schemas.microsoft.com/office/drawing/2014/main" id="{3031866B-2921-EAD0-33D2-73E31140AE75}"/>
-              </a:ext>
-            </a:extLst>
-          </p:cNvPr>
-          <p:cNvSpPr txBox="1"/>
-          <p:nvPr/>
-        </p:nvSpPr>
-        <p:spPr>
-          <a:xfrm>
-            <a:off x="3459962" y="2238256"/>
-            <a:ext cx="370818" cy="215444"/>
-          </a:xfrm>
-          <a:prstGeom prst="rect">
-            <a:avLst/>
-          </a:prstGeom>
-          <a:noFill/>
-          <a:ln>
-            <a:noFill/>
-          </a:ln>
-        </p:spPr>
-        <p:txBody>
-          <a:bodyPr wrap="square" lIns="0" tIns="0" rIns="0" bIns="0" rtlCol="0">
-            <a:spAutoFit/>
-          </a:bodyPr>
-          <a:lstStyle/>
-          <a:p>
-            <a:r>
-              <a:rPr lang="en-GB" sz="1400" i="1" dirty="0">
-                <a:solidFill>
-                  <a:schemeClr val="tx2">
-                    <a:lumMod val="75000"/>
-                    <a:lumOff val="25000"/>
-                  </a:schemeClr>
-                </a:solidFill>
-              </a:rPr>
-              <a:t>final</a:t>
-            </a:r>
-          </a:p>
-        </p:txBody>
-      </p:sp>
-      <p:sp>
-        <p:nvSpPr>
-          <p:cNvPr id="14" name="Oval 13">
-            <a:extLst>
-              <a:ext uri="{FF2B5EF4-FFF2-40B4-BE49-F238E27FC236}">
-                <a16:creationId xmlns:a16="http://schemas.microsoft.com/office/drawing/2014/main" id="{5F21F142-6829-4DDA-24B3-DA9473C59C09}"/>
+          <p:cNvPr id="8" name="Oval 7">
+            <a:extLst>
+              <a:ext uri="{FF2B5EF4-FFF2-40B4-BE49-F238E27FC236}">
+                <a16:creationId xmlns:a16="http://schemas.microsoft.com/office/drawing/2014/main" id="{9D2075C2-68E0-C296-7E9A-B627A3D13F22}"/>
               </a:ext>
             </a:extLst>
           </p:cNvPr>
@@ -3936,113 +3706,8 @@
         </p:nvSpPr>
         <p:spPr>
           <a:xfrm>
-            <a:off x="3885668" y="1474873"/>
-            <a:ext cx="2515132" cy="1707823"/>
-          </a:xfrm>
-          <a:prstGeom prst="ellipse">
-            <a:avLst/>
-          </a:prstGeom>
-          <a:solidFill>
-            <a:schemeClr val="accent3">
-              <a:lumMod val="60000"/>
-              <a:lumOff val="40000"/>
-              <a:alpha val="5098"/>
-            </a:schemeClr>
-          </a:solidFill>
-          <a:ln>
-            <a:solidFill>
-              <a:schemeClr val="accent3">
-                <a:lumMod val="75000"/>
-              </a:schemeClr>
-            </a:solidFill>
-          </a:ln>
-        </p:spPr>
-        <p:style>
-          <a:lnRef idx="2">
-            <a:schemeClr val="dk1">
-              <a:shade val="15000"/>
-            </a:schemeClr>
-          </a:lnRef>
-          <a:fillRef idx="1">
-            <a:schemeClr val="dk1"/>
-          </a:fillRef>
-          <a:effectRef idx="0">
-            <a:schemeClr val="dk1"/>
-          </a:effectRef>
-          <a:fontRef idx="minor">
-            <a:schemeClr val="lt1"/>
-          </a:fontRef>
-        </p:style>
-        <p:txBody>
-          <a:bodyPr wrap="square" lIns="0" tIns="0" rIns="0" bIns="0" rtlCol="0" anchor="t" anchorCtr="0"/>
-          <a:lstStyle/>
-          <a:p>
-            <a:pPr algn="ctr"/>
-            <a:endParaRPr lang="en-GB" sz="1400" dirty="0">
-              <a:solidFill>
-                <a:schemeClr val="tx1"/>
-              </a:solidFill>
-            </a:endParaRPr>
-          </a:p>
-        </p:txBody>
-      </p:sp>
-      <p:sp>
-        <p:nvSpPr>
-          <p:cNvPr id="19" name="TextBox 18">
-            <a:extLst>
-              <a:ext uri="{FF2B5EF4-FFF2-40B4-BE49-F238E27FC236}">
-                <a16:creationId xmlns:a16="http://schemas.microsoft.com/office/drawing/2014/main" id="{B3C4EDA8-F2C0-6204-8F89-F7D829950F12}"/>
-              </a:ext>
-            </a:extLst>
-          </p:cNvPr>
-          <p:cNvSpPr txBox="1"/>
-          <p:nvPr/>
-        </p:nvSpPr>
-        <p:spPr>
-          <a:xfrm>
-            <a:off x="5159765" y="1640952"/>
-            <a:ext cx="737542" cy="215444"/>
-          </a:xfrm>
-          <a:prstGeom prst="rect">
-            <a:avLst/>
-          </a:prstGeom>
-          <a:noFill/>
-        </p:spPr>
-        <p:txBody>
-          <a:bodyPr wrap="square" lIns="0" tIns="0" rIns="0" bIns="0" rtlCol="0">
-            <a:spAutoFit/>
-          </a:bodyPr>
-          <a:lstStyle/>
-          <a:p>
-            <a:r>
-              <a:rPr lang="en-GB" sz="1400" i="1" dirty="0">
-                <a:solidFill>
-                  <a:schemeClr val="accent3">
-                    <a:lumMod val="75000"/>
-                  </a:schemeClr>
-                </a:solidFill>
-              </a:rPr>
-              <a:t>complete</a:t>
-            </a:r>
-          </a:p>
-        </p:txBody>
-      </p:sp>
-      <p:sp>
-        <p:nvSpPr>
-          <p:cNvPr id="5" name="Oval 4">
-            <a:extLst>
-              <a:ext uri="{FF2B5EF4-FFF2-40B4-BE49-F238E27FC236}">
-                <a16:creationId xmlns:a16="http://schemas.microsoft.com/office/drawing/2014/main" id="{1A155F27-2B4C-50B5-AFD9-0BD7A6895D7F}"/>
-              </a:ext>
-            </a:extLst>
-          </p:cNvPr>
-          <p:cNvSpPr/>
-          <p:nvPr/>
-        </p:nvSpPr>
-        <p:spPr>
-          <a:xfrm>
-            <a:off x="4928557" y="1946703"/>
-            <a:ext cx="1253120" cy="798551"/>
+            <a:off x="2068749" y="1200848"/>
+            <a:ext cx="3171278" cy="2228153"/>
           </a:xfrm>
           <a:prstGeom prst="ellipse">
             <a:avLst/>
@@ -4084,22 +3749,90 @@
           <a:lstStyle/>
           <a:p>
             <a:pPr algn="ctr"/>
-            <a:endParaRPr lang="en-GB" sz="1400" dirty="0">
+            <a:endParaRPr lang="en-GB" sz="1600" dirty="0">
               <a:solidFill>
                 <a:schemeClr val="accent4">
                   <a:lumMod val="50000"/>
                 </a:schemeClr>
               </a:solidFill>
+              <a:latin typeface="Times New Roman" panose="02020603050405020304" pitchFamily="18" charset="0"/>
+              <a:cs typeface="Times New Roman" panose="02020603050405020304" pitchFamily="18" charset="0"/>
             </a:endParaRPr>
           </a:p>
         </p:txBody>
       </p:sp>
       <p:sp>
         <p:nvSpPr>
-          <p:cNvPr id="6" name="TextBox 5">
-            <a:extLst>
-              <a:ext uri="{FF2B5EF4-FFF2-40B4-BE49-F238E27FC236}">
-                <a16:creationId xmlns:a16="http://schemas.microsoft.com/office/drawing/2014/main" id="{32F26E0C-E661-D207-AAD8-B9B25C56EC29}"/>
+          <p:cNvPr id="13" name="Oval 12">
+            <a:extLst>
+              <a:ext uri="{FF2B5EF4-FFF2-40B4-BE49-F238E27FC236}">
+                <a16:creationId xmlns:a16="http://schemas.microsoft.com/office/drawing/2014/main" id="{12E4A0DE-B283-E828-20A0-DB8A2D57C63C}"/>
+              </a:ext>
+            </a:extLst>
+          </p:cNvPr>
+          <p:cNvSpPr/>
+          <p:nvPr/>
+        </p:nvSpPr>
+        <p:spPr>
+          <a:xfrm>
+            <a:off x="3151477" y="1200847"/>
+            <a:ext cx="3483486" cy="2228153"/>
+          </a:xfrm>
+          <a:prstGeom prst="ellipse">
+            <a:avLst/>
+          </a:prstGeom>
+          <a:solidFill>
+            <a:schemeClr val="accent3">
+              <a:lumMod val="60000"/>
+              <a:lumOff val="40000"/>
+              <a:alpha val="5098"/>
+            </a:schemeClr>
+          </a:solidFill>
+          <a:ln>
+            <a:solidFill>
+              <a:schemeClr val="accent3">
+                <a:lumMod val="75000"/>
+              </a:schemeClr>
+            </a:solidFill>
+          </a:ln>
+        </p:spPr>
+        <p:style>
+          <a:lnRef idx="2">
+            <a:schemeClr val="dk1">
+              <a:shade val="15000"/>
+            </a:schemeClr>
+          </a:lnRef>
+          <a:fillRef idx="1">
+            <a:schemeClr val="dk1"/>
+          </a:fillRef>
+          <a:effectRef idx="0">
+            <a:schemeClr val="dk1"/>
+          </a:effectRef>
+          <a:fontRef idx="minor">
+            <a:schemeClr val="lt1"/>
+          </a:fontRef>
+        </p:style>
+        <p:txBody>
+          <a:bodyPr wrap="square" lIns="0" tIns="0" rIns="0" bIns="0" rtlCol="0" anchor="t" anchorCtr="0"/>
+          <a:lstStyle/>
+          <a:p>
+            <a:pPr algn="ctr"/>
+            <a:endParaRPr lang="en-GB" sz="1600" dirty="0">
+              <a:solidFill>
+                <a:schemeClr val="tx1"/>
+              </a:solidFill>
+              <a:latin typeface="Times New Roman" panose="02020603050405020304" pitchFamily="18" charset="0"/>
+              <a:cs typeface="Times New Roman" panose="02020603050405020304" pitchFamily="18" charset="0"/>
+            </a:endParaRPr>
+          </a:p>
+        </p:txBody>
+      </p:sp>
+      <p:sp>
+        <p:nvSpPr>
+          <p:cNvPr id="20" name="TextBox 19">
+            <a:extLst>
+              <a:ext uri="{FF2B5EF4-FFF2-40B4-BE49-F238E27FC236}">
+                <a16:creationId xmlns:a16="http://schemas.microsoft.com/office/drawing/2014/main" id="{F5DB922B-7297-2C99-A602-FBFFECCF331A}"/>
               </a:ext>
             </a:extLst>
           </p:cNvPr>
@@ -4108,16 +3841,13 @@
         </p:nvSpPr>
         <p:spPr>
           <a:xfrm>
-            <a:off x="5528536" y="2238256"/>
-            <a:ext cx="551739" cy="215444"/>
+            <a:off x="4718594" y="1232476"/>
+            <a:ext cx="603844" cy="246221"/>
           </a:xfrm>
           <a:prstGeom prst="rect">
             <a:avLst/>
           </a:prstGeom>
           <a:noFill/>
-          <a:ln>
-            <a:noFill/>
-          </a:ln>
         </p:spPr>
         <p:txBody>
           <a:bodyPr wrap="square" lIns="0" tIns="0" rIns="0" bIns="0" rtlCol="0">
@@ -4126,70 +3856,26 @@
           <a:lstStyle/>
           <a:p>
             <a:r>
-              <a:rPr lang="en-GB" sz="1400" i="1" dirty="0">
+              <a:rPr lang="en-GB" sz="1600" i="1" dirty="0">
                 <a:solidFill>
-                  <a:schemeClr val="tx2">
+                  <a:schemeClr val="accent3">
                     <a:lumMod val="75000"/>
-                    <a:lumOff val="25000"/>
                   </a:schemeClr>
                 </a:solidFill>
+                <a:latin typeface="Times New Roman" panose="02020603050405020304" pitchFamily="18" charset="0"/>
+                <a:cs typeface="Times New Roman" panose="02020603050405020304" pitchFamily="18" charset="0"/>
               </a:rPr>
-              <a:t>absent</a:t>
-            </a:r>
-          </a:p>
-        </p:txBody>
-      </p:sp>
-      <p:sp>
-        <p:nvSpPr>
-          <p:cNvPr id="16" name="TextBox 15">
-            <a:extLst>
-              <a:ext uri="{FF2B5EF4-FFF2-40B4-BE49-F238E27FC236}">
-                <a16:creationId xmlns:a16="http://schemas.microsoft.com/office/drawing/2014/main" id="{F87D5E65-CE22-7BA9-2965-F86BC6C4527E}"/>
-              </a:ext>
-            </a:extLst>
-          </p:cNvPr>
-          <p:cNvSpPr txBox="1"/>
-          <p:nvPr/>
-        </p:nvSpPr>
-        <p:spPr>
-          <a:xfrm>
-            <a:off x="7633541" y="2238256"/>
-            <a:ext cx="539315" cy="215444"/>
-          </a:xfrm>
-          <a:prstGeom prst="rect">
-            <a:avLst/>
-          </a:prstGeom>
-          <a:noFill/>
-          <a:ln>
-            <a:noFill/>
-          </a:ln>
-        </p:spPr>
-        <p:txBody>
-          <a:bodyPr wrap="none" lIns="0" tIns="0" rIns="0" bIns="0" rtlCol="0">
-            <a:spAutoFit/>
-          </a:bodyPr>
-          <a:lstStyle/>
-          <a:p>
-            <a:r>
-              <a:rPr lang="en-GB" sz="1400" i="1" dirty="0">
-                <a:solidFill>
-                  <a:schemeClr val="tx2">
-                    <a:lumMod val="75000"/>
-                    <a:lumOff val="25000"/>
-                  </a:schemeClr>
-                </a:solidFill>
-              </a:rPr>
-              <a:t>atomic</a:t>
-            </a:r>
-          </a:p>
-        </p:txBody>
-      </p:sp>
-      <p:sp>
-        <p:nvSpPr>
-          <p:cNvPr id="17" name="Oval 16">
-            <a:extLst>
-              <a:ext uri="{FF2B5EF4-FFF2-40B4-BE49-F238E27FC236}">
-                <a16:creationId xmlns:a16="http://schemas.microsoft.com/office/drawing/2014/main" id="{9A162325-5B41-534A-A3D4-5D150C7398D0}"/>
+              <a:t>closed</a:t>
+            </a:r>
+          </a:p>
+        </p:txBody>
+      </p:sp>
+      <p:sp>
+        <p:nvSpPr>
+          <p:cNvPr id="4" name="Oval 3">
+            <a:extLst>
+              <a:ext uri="{FF2B5EF4-FFF2-40B4-BE49-F238E27FC236}">
+                <a16:creationId xmlns:a16="http://schemas.microsoft.com/office/drawing/2014/main" id="{5EA365A0-99A4-B96F-4EAF-6EE0AC169E34}"/>
               </a:ext>
             </a:extLst>
           </p:cNvPr>
@@ -4198,8 +3884,8 @@
         </p:nvSpPr>
         <p:spPr>
           <a:xfrm>
-            <a:off x="8516535" y="1946703"/>
-            <a:ext cx="1253120" cy="798551"/>
+            <a:off x="2457854" y="1474875"/>
+            <a:ext cx="2435101" cy="1707822"/>
           </a:xfrm>
           <a:prstGeom prst="ellipse">
             <a:avLst/>
@@ -4241,22 +3927,24 @@
           <a:lstStyle/>
           <a:p>
             <a:pPr algn="ctr"/>
-            <a:endParaRPr lang="en-GB" sz="1400" dirty="0">
+            <a:endParaRPr lang="en-GB" sz="1600" dirty="0">
               <a:solidFill>
                 <a:schemeClr val="accent4">
                   <a:lumMod val="50000"/>
                 </a:schemeClr>
               </a:solidFill>
+              <a:latin typeface="Times New Roman" panose="02020603050405020304" pitchFamily="18" charset="0"/>
+              <a:cs typeface="Times New Roman" panose="02020603050405020304" pitchFamily="18" charset="0"/>
             </a:endParaRPr>
           </a:p>
         </p:txBody>
       </p:sp>
       <p:sp>
         <p:nvSpPr>
-          <p:cNvPr id="18" name="TextBox 17">
-            <a:extLst>
-              <a:ext uri="{FF2B5EF4-FFF2-40B4-BE49-F238E27FC236}">
-                <a16:creationId xmlns:a16="http://schemas.microsoft.com/office/drawing/2014/main" id="{E461A1CE-99CB-5784-C40C-E789ABA6D1F6}"/>
+          <p:cNvPr id="7" name="TextBox 6">
+            <a:extLst>
+              <a:ext uri="{FF2B5EF4-FFF2-40B4-BE49-F238E27FC236}">
+                <a16:creationId xmlns:a16="http://schemas.microsoft.com/office/drawing/2014/main" id="{2867882F-CBCD-1825-01C5-26B3BED81D00}"/>
               </a:ext>
             </a:extLst>
           </p:cNvPr>
@@ -4265,8 +3953,8 @@
         </p:nvSpPr>
         <p:spPr>
           <a:xfrm>
-            <a:off x="9161077" y="2238256"/>
-            <a:ext cx="551739" cy="215444"/>
+            <a:off x="2532590" y="2222275"/>
+            <a:ext cx="525785" cy="246221"/>
           </a:xfrm>
           <a:prstGeom prst="rect">
             <a:avLst/>
@@ -4277,31 +3965,33 @@
           </a:ln>
         </p:spPr>
         <p:txBody>
-          <a:bodyPr wrap="square" lIns="0" tIns="0" rIns="0" bIns="0" rtlCol="0">
+          <a:bodyPr wrap="none" lIns="0" tIns="0" rIns="0" bIns="0" rtlCol="0">
             <a:spAutoFit/>
           </a:bodyPr>
           <a:lstStyle/>
           <a:p>
             <a:r>
-              <a:rPr lang="en-GB" sz="1400" i="1" dirty="0">
+              <a:rPr lang="en-GB" sz="1600" i="1" dirty="0">
                 <a:solidFill>
                   <a:schemeClr val="tx2">
                     <a:lumMod val="75000"/>
                     <a:lumOff val="25000"/>
                   </a:schemeClr>
                 </a:solidFill>
+                <a:latin typeface="Times New Roman" panose="02020603050405020304" pitchFamily="18" charset="0"/>
+                <a:cs typeface="Times New Roman" panose="02020603050405020304" pitchFamily="18" charset="0"/>
               </a:rPr>
-              <a:t>absent</a:t>
-            </a:r>
-          </a:p>
-        </p:txBody>
-      </p:sp>
-      <p:sp>
-        <p:nvSpPr>
-          <p:cNvPr id="26" name="TextBox 25">
-            <a:extLst>
-              <a:ext uri="{FF2B5EF4-FFF2-40B4-BE49-F238E27FC236}">
-                <a16:creationId xmlns:a16="http://schemas.microsoft.com/office/drawing/2014/main" id="{93746795-33A0-0FF3-AAD3-5A521A56F217}"/>
+              <a:t>steady</a:t>
+            </a:r>
+          </a:p>
+        </p:txBody>
+      </p:sp>
+      <p:sp>
+        <p:nvSpPr>
+          <p:cNvPr id="9" name="TextBox 8">
+            <a:extLst>
+              <a:ext uri="{FF2B5EF4-FFF2-40B4-BE49-F238E27FC236}">
+                <a16:creationId xmlns:a16="http://schemas.microsoft.com/office/drawing/2014/main" id="{AE18E634-1C26-5BE1-3A19-36F26656ED5A}"/>
               </a:ext>
             </a:extLst>
           </p:cNvPr>
@@ -4310,8 +4000,8 @@
         </p:nvSpPr>
         <p:spPr>
           <a:xfrm>
-            <a:off x="7951556" y="1723400"/>
-            <a:ext cx="407869" cy="215444"/>
+            <a:off x="3069066" y="1232476"/>
+            <a:ext cx="434414" cy="246221"/>
           </a:xfrm>
           <a:prstGeom prst="rect">
             <a:avLst/>
@@ -4328,13 +4018,1389 @@
           <a:lstStyle/>
           <a:p>
             <a:r>
-              <a:rPr lang="en-GB" sz="1400" i="1" dirty="0">
+              <a:rPr lang="en-GB" sz="1600" i="1" dirty="0">
                 <a:solidFill>
                   <a:schemeClr val="tx2">
                     <a:lumMod val="75000"/>
                     <a:lumOff val="25000"/>
                   </a:schemeClr>
                 </a:solidFill>
+                <a:latin typeface="Times New Roman" panose="02020603050405020304" pitchFamily="18" charset="0"/>
+                <a:cs typeface="Times New Roman" panose="02020603050405020304" pitchFamily="18" charset="0"/>
+              </a:rPr>
+              <a:t>outer</a:t>
+            </a:r>
+          </a:p>
+        </p:txBody>
+      </p:sp>
+      <p:sp>
+        <p:nvSpPr>
+          <p:cNvPr id="2" name="Oval 1">
+            <a:extLst>
+              <a:ext uri="{FF2B5EF4-FFF2-40B4-BE49-F238E27FC236}">
+                <a16:creationId xmlns:a16="http://schemas.microsoft.com/office/drawing/2014/main" id="{54DEEB5B-6A7A-6B0B-5900-BEACDB75CB1E}"/>
+              </a:ext>
+            </a:extLst>
+          </p:cNvPr>
+          <p:cNvSpPr/>
+          <p:nvPr/>
+        </p:nvSpPr>
+        <p:spPr>
+          <a:xfrm>
+            <a:off x="3313889" y="1946704"/>
+            <a:ext cx="1253120" cy="798551"/>
+          </a:xfrm>
+          <a:prstGeom prst="ellipse">
+            <a:avLst/>
+          </a:prstGeom>
+          <a:solidFill>
+            <a:schemeClr val="tx2">
+              <a:lumMod val="50000"/>
+              <a:lumOff val="50000"/>
+              <a:alpha val="5098"/>
+            </a:schemeClr>
+          </a:solidFill>
+          <a:ln>
+            <a:solidFill>
+              <a:schemeClr val="tx2">
+                <a:lumMod val="75000"/>
+                <a:lumOff val="25000"/>
+              </a:schemeClr>
+            </a:solidFill>
+          </a:ln>
+        </p:spPr>
+        <p:style>
+          <a:lnRef idx="2">
+            <a:schemeClr val="dk1">
+              <a:shade val="15000"/>
+            </a:schemeClr>
+          </a:lnRef>
+          <a:fillRef idx="1">
+            <a:schemeClr val="dk1"/>
+          </a:fillRef>
+          <a:effectRef idx="0">
+            <a:schemeClr val="dk1"/>
+          </a:effectRef>
+          <a:fontRef idx="minor">
+            <a:schemeClr val="lt1"/>
+          </a:fontRef>
+        </p:style>
+        <p:txBody>
+          <a:bodyPr wrap="square" lIns="0" tIns="0" rIns="0" bIns="0" rtlCol="0" anchor="t" anchorCtr="0"/>
+          <a:lstStyle/>
+          <a:p>
+            <a:pPr algn="ctr"/>
+            <a:endParaRPr lang="en-GB" sz="1600" dirty="0">
+              <a:solidFill>
+                <a:schemeClr val="accent4">
+                  <a:lumMod val="50000"/>
+                </a:schemeClr>
+              </a:solidFill>
+              <a:latin typeface="Times New Roman" panose="02020603050405020304" pitchFamily="18" charset="0"/>
+              <a:cs typeface="Times New Roman" panose="02020603050405020304" pitchFamily="18" charset="0"/>
+            </a:endParaRPr>
+          </a:p>
+        </p:txBody>
+      </p:sp>
+      <p:sp>
+        <p:nvSpPr>
+          <p:cNvPr id="3" name="TextBox 2">
+            <a:extLst>
+              <a:ext uri="{FF2B5EF4-FFF2-40B4-BE49-F238E27FC236}">
+                <a16:creationId xmlns:a16="http://schemas.microsoft.com/office/drawing/2014/main" id="{3031866B-2921-EAD0-33D2-73E31140AE75}"/>
+              </a:ext>
+            </a:extLst>
+          </p:cNvPr>
+          <p:cNvSpPr txBox="1"/>
+          <p:nvPr/>
+        </p:nvSpPr>
+        <p:spPr>
+          <a:xfrm>
+            <a:off x="3434022" y="2222275"/>
+            <a:ext cx="407450" cy="246221"/>
+          </a:xfrm>
+          <a:prstGeom prst="rect">
+            <a:avLst/>
+          </a:prstGeom>
+          <a:noFill/>
+          <a:ln>
+            <a:noFill/>
+          </a:ln>
+        </p:spPr>
+        <p:txBody>
+          <a:bodyPr wrap="square" lIns="0" tIns="0" rIns="0" bIns="0" rtlCol="0">
+            <a:spAutoFit/>
+          </a:bodyPr>
+          <a:lstStyle/>
+          <a:p>
+            <a:r>
+              <a:rPr lang="en-GB" sz="1600" i="1" dirty="0">
+                <a:solidFill>
+                  <a:schemeClr val="tx2">
+                    <a:lumMod val="75000"/>
+                    <a:lumOff val="25000"/>
+                  </a:schemeClr>
+                </a:solidFill>
+                <a:latin typeface="Times New Roman" panose="02020603050405020304" pitchFamily="18" charset="0"/>
+                <a:cs typeface="Times New Roman" panose="02020603050405020304" pitchFamily="18" charset="0"/>
+              </a:rPr>
+              <a:t>final</a:t>
+            </a:r>
+          </a:p>
+        </p:txBody>
+      </p:sp>
+      <p:sp>
+        <p:nvSpPr>
+          <p:cNvPr id="14" name="Oval 13">
+            <a:extLst>
+              <a:ext uri="{FF2B5EF4-FFF2-40B4-BE49-F238E27FC236}">
+                <a16:creationId xmlns:a16="http://schemas.microsoft.com/office/drawing/2014/main" id="{5F21F142-6829-4DDA-24B3-DA9473C59C09}"/>
+              </a:ext>
+            </a:extLst>
+          </p:cNvPr>
+          <p:cNvSpPr/>
+          <p:nvPr/>
+        </p:nvSpPr>
+        <p:spPr>
+          <a:xfrm>
+            <a:off x="3885668" y="1474874"/>
+            <a:ext cx="2515132" cy="1707823"/>
+          </a:xfrm>
+          <a:prstGeom prst="ellipse">
+            <a:avLst/>
+          </a:prstGeom>
+          <a:solidFill>
+            <a:schemeClr val="accent3">
+              <a:lumMod val="60000"/>
+              <a:lumOff val="40000"/>
+              <a:alpha val="5098"/>
+            </a:schemeClr>
+          </a:solidFill>
+          <a:ln>
+            <a:solidFill>
+              <a:schemeClr val="accent3">
+                <a:lumMod val="75000"/>
+              </a:schemeClr>
+            </a:solidFill>
+          </a:ln>
+        </p:spPr>
+        <p:style>
+          <a:lnRef idx="2">
+            <a:schemeClr val="dk1">
+              <a:shade val="15000"/>
+            </a:schemeClr>
+          </a:lnRef>
+          <a:fillRef idx="1">
+            <a:schemeClr val="dk1"/>
+          </a:fillRef>
+          <a:effectRef idx="0">
+            <a:schemeClr val="dk1"/>
+          </a:effectRef>
+          <a:fontRef idx="minor">
+            <a:schemeClr val="lt1"/>
+          </a:fontRef>
+        </p:style>
+        <p:txBody>
+          <a:bodyPr wrap="square" lIns="0" tIns="0" rIns="0" bIns="0" rtlCol="0" anchor="t" anchorCtr="0"/>
+          <a:lstStyle/>
+          <a:p>
+            <a:pPr algn="ctr"/>
+            <a:endParaRPr lang="en-GB" sz="1600" dirty="0">
+              <a:solidFill>
+                <a:schemeClr val="tx1"/>
+              </a:solidFill>
+              <a:latin typeface="Times New Roman" panose="02020603050405020304" pitchFamily="18" charset="0"/>
+              <a:cs typeface="Times New Roman" panose="02020603050405020304" pitchFamily="18" charset="0"/>
+            </a:endParaRPr>
+          </a:p>
+        </p:txBody>
+      </p:sp>
+      <p:sp>
+        <p:nvSpPr>
+          <p:cNvPr id="19" name="TextBox 18">
+            <a:extLst>
+              <a:ext uri="{FF2B5EF4-FFF2-40B4-BE49-F238E27FC236}">
+                <a16:creationId xmlns:a16="http://schemas.microsoft.com/office/drawing/2014/main" id="{B3C4EDA8-F2C0-6204-8F89-F7D829950F12}"/>
+              </a:ext>
+            </a:extLst>
+          </p:cNvPr>
+          <p:cNvSpPr txBox="1"/>
+          <p:nvPr/>
+        </p:nvSpPr>
+        <p:spPr>
+          <a:xfrm>
+            <a:off x="5188340" y="1540028"/>
+            <a:ext cx="304969" cy="246221"/>
+          </a:xfrm>
+          <a:prstGeom prst="rect">
+            <a:avLst/>
+          </a:prstGeom>
+          <a:noFill/>
+        </p:spPr>
+        <p:txBody>
+          <a:bodyPr wrap="square" lIns="0" tIns="0" rIns="0" bIns="0" rtlCol="0">
+            <a:spAutoFit/>
+          </a:bodyPr>
+          <a:lstStyle/>
+          <a:p>
+            <a:r>
+              <a:rPr lang="en-GB" sz="1600" i="1" dirty="0">
+                <a:solidFill>
+                  <a:schemeClr val="accent3">
+                    <a:lumMod val="75000"/>
+                  </a:schemeClr>
+                </a:solidFill>
+                <a:latin typeface="Times New Roman" panose="02020603050405020304" pitchFamily="18" charset="0"/>
+                <a:cs typeface="Times New Roman" panose="02020603050405020304" pitchFamily="18" charset="0"/>
+              </a:rPr>
+              <a:t>full</a:t>
+            </a:r>
+          </a:p>
+        </p:txBody>
+      </p:sp>
+      <p:sp>
+        <p:nvSpPr>
+          <p:cNvPr id="5" name="Oval 4">
+            <a:extLst>
+              <a:ext uri="{FF2B5EF4-FFF2-40B4-BE49-F238E27FC236}">
+                <a16:creationId xmlns:a16="http://schemas.microsoft.com/office/drawing/2014/main" id="{1A155F27-2B4C-50B5-AFD9-0BD7A6895D7F}"/>
+              </a:ext>
+            </a:extLst>
+          </p:cNvPr>
+          <p:cNvSpPr/>
+          <p:nvPr/>
+        </p:nvSpPr>
+        <p:spPr>
+          <a:xfrm>
+            <a:off x="4928557" y="1946704"/>
+            <a:ext cx="1253120" cy="798551"/>
+          </a:xfrm>
+          <a:prstGeom prst="ellipse">
+            <a:avLst/>
+          </a:prstGeom>
+          <a:solidFill>
+            <a:schemeClr val="tx2">
+              <a:lumMod val="50000"/>
+              <a:lumOff val="50000"/>
+              <a:alpha val="5098"/>
+            </a:schemeClr>
+          </a:solidFill>
+          <a:ln>
+            <a:solidFill>
+              <a:schemeClr val="tx2">
+                <a:lumMod val="75000"/>
+                <a:lumOff val="25000"/>
+              </a:schemeClr>
+            </a:solidFill>
+          </a:ln>
+        </p:spPr>
+        <p:style>
+          <a:lnRef idx="2">
+            <a:schemeClr val="dk1">
+              <a:shade val="15000"/>
+            </a:schemeClr>
+          </a:lnRef>
+          <a:fillRef idx="1">
+            <a:schemeClr val="dk1"/>
+          </a:fillRef>
+          <a:effectRef idx="0">
+            <a:schemeClr val="dk1"/>
+          </a:effectRef>
+          <a:fontRef idx="minor">
+            <a:schemeClr val="lt1"/>
+          </a:fontRef>
+        </p:style>
+        <p:txBody>
+          <a:bodyPr wrap="square" lIns="0" tIns="0" rIns="0" bIns="0" rtlCol="0" anchor="t" anchorCtr="0"/>
+          <a:lstStyle/>
+          <a:p>
+            <a:pPr algn="ctr"/>
+            <a:endParaRPr lang="en-GB" sz="1600" dirty="0">
+              <a:solidFill>
+                <a:schemeClr val="accent4">
+                  <a:lumMod val="50000"/>
+                </a:schemeClr>
+              </a:solidFill>
+              <a:latin typeface="Times New Roman" panose="02020603050405020304" pitchFamily="18" charset="0"/>
+              <a:cs typeface="Times New Roman" panose="02020603050405020304" pitchFamily="18" charset="0"/>
+            </a:endParaRPr>
+          </a:p>
+        </p:txBody>
+      </p:sp>
+      <p:sp>
+        <p:nvSpPr>
+          <p:cNvPr id="6" name="TextBox 5">
+            <a:extLst>
+              <a:ext uri="{FF2B5EF4-FFF2-40B4-BE49-F238E27FC236}">
+                <a16:creationId xmlns:a16="http://schemas.microsoft.com/office/drawing/2014/main" id="{32F26E0C-E661-D207-AAD8-B9B25C56EC29}"/>
+              </a:ext>
+            </a:extLst>
+          </p:cNvPr>
+          <p:cNvSpPr txBox="1"/>
+          <p:nvPr/>
+        </p:nvSpPr>
+        <p:spPr>
+          <a:xfrm>
+            <a:off x="5464734" y="2222275"/>
+            <a:ext cx="615541" cy="246221"/>
+          </a:xfrm>
+          <a:prstGeom prst="rect">
+            <a:avLst/>
+          </a:prstGeom>
+          <a:noFill/>
+          <a:ln>
+            <a:noFill/>
+          </a:ln>
+        </p:spPr>
+        <p:txBody>
+          <a:bodyPr wrap="square" lIns="0" tIns="0" rIns="0" bIns="0" rtlCol="0">
+            <a:spAutoFit/>
+          </a:bodyPr>
+          <a:lstStyle/>
+          <a:p>
+            <a:r>
+              <a:rPr lang="en-GB" sz="1600" i="1" dirty="0">
+                <a:solidFill>
+                  <a:schemeClr val="tx2">
+                    <a:lumMod val="75000"/>
+                    <a:lumOff val="25000"/>
+                  </a:schemeClr>
+                </a:solidFill>
+                <a:latin typeface="Times New Roman" panose="02020603050405020304" pitchFamily="18" charset="0"/>
+                <a:cs typeface="Times New Roman" panose="02020603050405020304" pitchFamily="18" charset="0"/>
+              </a:rPr>
+              <a:t>absent</a:t>
+            </a:r>
+          </a:p>
+        </p:txBody>
+      </p:sp>
+      <p:sp>
+        <p:nvSpPr>
+          <p:cNvPr id="16" name="TextBox 15">
+            <a:extLst>
+              <a:ext uri="{FF2B5EF4-FFF2-40B4-BE49-F238E27FC236}">
+                <a16:creationId xmlns:a16="http://schemas.microsoft.com/office/drawing/2014/main" id="{F87D5E65-CE22-7BA9-2965-F86BC6C4527E}"/>
+              </a:ext>
+            </a:extLst>
+          </p:cNvPr>
+          <p:cNvSpPr txBox="1"/>
+          <p:nvPr/>
+        </p:nvSpPr>
+        <p:spPr>
+          <a:xfrm>
+            <a:off x="7789945" y="2222274"/>
+            <a:ext cx="559449" cy="246221"/>
+          </a:xfrm>
+          <a:prstGeom prst="rect">
+            <a:avLst/>
+          </a:prstGeom>
+          <a:noFill/>
+          <a:ln>
+            <a:noFill/>
+          </a:ln>
+        </p:spPr>
+        <p:txBody>
+          <a:bodyPr wrap="none" lIns="0" tIns="0" rIns="0" bIns="0" rtlCol="0">
+            <a:spAutoFit/>
+          </a:bodyPr>
+          <a:lstStyle/>
+          <a:p>
+            <a:r>
+              <a:rPr lang="en-GB" sz="1600" i="1" dirty="0">
+                <a:solidFill>
+                  <a:schemeClr val="tx2">
+                    <a:lumMod val="75000"/>
+                    <a:lumOff val="25000"/>
+                  </a:schemeClr>
+                </a:solidFill>
+                <a:latin typeface="Times New Roman" panose="02020603050405020304" pitchFamily="18" charset="0"/>
+                <a:cs typeface="Times New Roman" panose="02020603050405020304" pitchFamily="18" charset="0"/>
+              </a:rPr>
+              <a:t>atomic</a:t>
+            </a:r>
+          </a:p>
+        </p:txBody>
+      </p:sp>
+      <p:sp>
+        <p:nvSpPr>
+          <p:cNvPr id="17" name="Oval 16">
+            <a:extLst>
+              <a:ext uri="{FF2B5EF4-FFF2-40B4-BE49-F238E27FC236}">
+                <a16:creationId xmlns:a16="http://schemas.microsoft.com/office/drawing/2014/main" id="{9A162325-5B41-534A-A3D4-5D150C7398D0}"/>
+              </a:ext>
+            </a:extLst>
+          </p:cNvPr>
+          <p:cNvSpPr/>
+          <p:nvPr/>
+        </p:nvSpPr>
+        <p:spPr>
+          <a:xfrm>
+            <a:off x="8795390" y="1946109"/>
+            <a:ext cx="1253120" cy="798551"/>
+          </a:xfrm>
+          <a:prstGeom prst="ellipse">
+            <a:avLst/>
+          </a:prstGeom>
+          <a:solidFill>
+            <a:schemeClr val="tx2">
+              <a:lumMod val="50000"/>
+              <a:lumOff val="50000"/>
+              <a:alpha val="5098"/>
+            </a:schemeClr>
+          </a:solidFill>
+          <a:ln>
+            <a:solidFill>
+              <a:schemeClr val="tx2">
+                <a:lumMod val="75000"/>
+                <a:lumOff val="25000"/>
+              </a:schemeClr>
+            </a:solidFill>
+          </a:ln>
+        </p:spPr>
+        <p:style>
+          <a:lnRef idx="2">
+            <a:schemeClr val="dk1">
+              <a:shade val="15000"/>
+            </a:schemeClr>
+          </a:lnRef>
+          <a:fillRef idx="1">
+            <a:schemeClr val="dk1"/>
+          </a:fillRef>
+          <a:effectRef idx="0">
+            <a:schemeClr val="dk1"/>
+          </a:effectRef>
+          <a:fontRef idx="minor">
+            <a:schemeClr val="lt1"/>
+          </a:fontRef>
+        </p:style>
+        <p:txBody>
+          <a:bodyPr wrap="square" lIns="0" tIns="0" rIns="0" bIns="0" rtlCol="0" anchor="t" anchorCtr="0"/>
+          <a:lstStyle/>
+          <a:p>
+            <a:pPr algn="ctr"/>
+            <a:endParaRPr lang="en-GB" sz="1600" dirty="0">
+              <a:solidFill>
+                <a:schemeClr val="accent4">
+                  <a:lumMod val="50000"/>
+                </a:schemeClr>
+              </a:solidFill>
+              <a:latin typeface="Times New Roman" panose="02020603050405020304" pitchFamily="18" charset="0"/>
+              <a:cs typeface="Times New Roman" panose="02020603050405020304" pitchFamily="18" charset="0"/>
+            </a:endParaRPr>
+          </a:p>
+        </p:txBody>
+      </p:sp>
+      <p:sp>
+        <p:nvSpPr>
+          <p:cNvPr id="18" name="TextBox 17">
+            <a:extLst>
+              <a:ext uri="{FF2B5EF4-FFF2-40B4-BE49-F238E27FC236}">
+                <a16:creationId xmlns:a16="http://schemas.microsoft.com/office/drawing/2014/main" id="{E461A1CE-99CB-5784-C40C-E789ABA6D1F6}"/>
+              </a:ext>
+            </a:extLst>
+          </p:cNvPr>
+          <p:cNvSpPr txBox="1"/>
+          <p:nvPr/>
+        </p:nvSpPr>
+        <p:spPr>
+          <a:xfrm>
+            <a:off x="9358010" y="2222274"/>
+            <a:ext cx="633662" cy="246221"/>
+          </a:xfrm>
+          <a:prstGeom prst="rect">
+            <a:avLst/>
+          </a:prstGeom>
+          <a:noFill/>
+          <a:ln>
+            <a:noFill/>
+          </a:ln>
+        </p:spPr>
+        <p:txBody>
+          <a:bodyPr wrap="square" lIns="0" tIns="0" rIns="0" bIns="0" rtlCol="0">
+            <a:spAutoFit/>
+          </a:bodyPr>
+          <a:lstStyle/>
+          <a:p>
+            <a:r>
+              <a:rPr lang="en-GB" sz="1600" i="1" dirty="0">
+                <a:solidFill>
+                  <a:schemeClr val="tx2">
+                    <a:lumMod val="75000"/>
+                    <a:lumOff val="25000"/>
+                  </a:schemeClr>
+                </a:solidFill>
+                <a:latin typeface="Times New Roman" panose="02020603050405020304" pitchFamily="18" charset="0"/>
+                <a:cs typeface="Times New Roman" panose="02020603050405020304" pitchFamily="18" charset="0"/>
+              </a:rPr>
+              <a:t>absent</a:t>
+            </a:r>
+          </a:p>
+        </p:txBody>
+      </p:sp>
+      <p:sp>
+        <p:nvSpPr>
+          <p:cNvPr id="26" name="TextBox 25">
+            <a:extLst>
+              <a:ext uri="{FF2B5EF4-FFF2-40B4-BE49-F238E27FC236}">
+                <a16:creationId xmlns:a16="http://schemas.microsoft.com/office/drawing/2014/main" id="{93746795-33A0-0FF3-AAD3-5A521A56F217}"/>
+              </a:ext>
+            </a:extLst>
+          </p:cNvPr>
+          <p:cNvSpPr txBox="1"/>
+          <p:nvPr/>
+        </p:nvSpPr>
+        <p:spPr>
+          <a:xfrm>
+            <a:off x="7863587" y="1692017"/>
+            <a:ext cx="434414" cy="246221"/>
+          </a:xfrm>
+          <a:prstGeom prst="rect">
+            <a:avLst/>
+          </a:prstGeom>
+          <a:noFill/>
+          <a:ln>
+            <a:noFill/>
+          </a:ln>
+        </p:spPr>
+        <p:txBody>
+          <a:bodyPr wrap="none" lIns="0" tIns="0" rIns="0" bIns="0" rtlCol="0">
+            <a:spAutoFit/>
+          </a:bodyPr>
+          <a:lstStyle/>
+          <a:p>
+            <a:r>
+              <a:rPr lang="en-GB" sz="1600" i="1" dirty="0">
+                <a:solidFill>
+                  <a:schemeClr val="tx2">
+                    <a:lumMod val="75000"/>
+                    <a:lumOff val="25000"/>
+                  </a:schemeClr>
+                </a:solidFill>
+                <a:latin typeface="Times New Roman" panose="02020603050405020304" pitchFamily="18" charset="0"/>
+                <a:cs typeface="Times New Roman" panose="02020603050405020304" pitchFamily="18" charset="0"/>
+              </a:rPr>
+              <a:t>outer</a:t>
+            </a:r>
+          </a:p>
+        </p:txBody>
+      </p:sp>
+      <p:sp>
+        <p:nvSpPr>
+          <p:cNvPr id="10" name="Oval 9">
+            <a:extLst>
+              <a:ext uri="{FF2B5EF4-FFF2-40B4-BE49-F238E27FC236}">
+                <a16:creationId xmlns:a16="http://schemas.microsoft.com/office/drawing/2014/main" id="{2814BE08-56A7-F674-46F2-936C88EF6940}"/>
+              </a:ext>
+            </a:extLst>
+          </p:cNvPr>
+          <p:cNvSpPr/>
+          <p:nvPr/>
+        </p:nvSpPr>
+        <p:spPr>
+          <a:xfrm>
+            <a:off x="2181224" y="3990304"/>
+            <a:ext cx="3007115" cy="2081883"/>
+          </a:xfrm>
+          <a:prstGeom prst="ellipse">
+            <a:avLst/>
+          </a:prstGeom>
+          <a:solidFill>
+            <a:schemeClr val="tx2">
+              <a:lumMod val="50000"/>
+              <a:lumOff val="50000"/>
+              <a:alpha val="5098"/>
+            </a:schemeClr>
+          </a:solidFill>
+          <a:ln>
+            <a:solidFill>
+              <a:schemeClr val="tx2">
+                <a:lumMod val="75000"/>
+                <a:lumOff val="25000"/>
+              </a:schemeClr>
+            </a:solidFill>
+          </a:ln>
+        </p:spPr>
+        <p:style>
+          <a:lnRef idx="2">
+            <a:schemeClr val="dk1">
+              <a:shade val="15000"/>
+            </a:schemeClr>
+          </a:lnRef>
+          <a:fillRef idx="1">
+            <a:schemeClr val="dk1"/>
+          </a:fillRef>
+          <a:effectRef idx="0">
+            <a:schemeClr val="dk1"/>
+          </a:effectRef>
+          <a:fontRef idx="minor">
+            <a:schemeClr val="lt1"/>
+          </a:fontRef>
+        </p:style>
+        <p:txBody>
+          <a:bodyPr wrap="square" lIns="0" tIns="0" rIns="0" bIns="0" rtlCol="0" anchor="t" anchorCtr="0"/>
+          <a:lstStyle/>
+          <a:p>
+            <a:pPr algn="ctr"/>
+            <a:endParaRPr lang="en-GB" sz="1600" dirty="0">
+              <a:solidFill>
+                <a:schemeClr val="accent4">
+                  <a:lumMod val="50000"/>
+                </a:schemeClr>
+              </a:solidFill>
+              <a:latin typeface="Times New Roman" panose="02020603050405020304" pitchFamily="18" charset="0"/>
+              <a:cs typeface="Times New Roman" panose="02020603050405020304" pitchFamily="18" charset="0"/>
+            </a:endParaRPr>
+          </a:p>
+        </p:txBody>
+      </p:sp>
+      <p:sp>
+        <p:nvSpPr>
+          <p:cNvPr id="11" name="Oval 10">
+            <a:extLst>
+              <a:ext uri="{FF2B5EF4-FFF2-40B4-BE49-F238E27FC236}">
+                <a16:creationId xmlns:a16="http://schemas.microsoft.com/office/drawing/2014/main" id="{91DF7EC8-6F28-CAFF-A66C-EC415E5B912F}"/>
+              </a:ext>
+            </a:extLst>
+          </p:cNvPr>
+          <p:cNvSpPr/>
+          <p:nvPr/>
+        </p:nvSpPr>
+        <p:spPr>
+          <a:xfrm>
+            <a:off x="3186814" y="3920572"/>
+            <a:ext cx="3361624" cy="2228153"/>
+          </a:xfrm>
+          <a:prstGeom prst="ellipse">
+            <a:avLst/>
+          </a:prstGeom>
+          <a:solidFill>
+            <a:schemeClr val="accent3">
+              <a:lumMod val="60000"/>
+              <a:lumOff val="40000"/>
+              <a:alpha val="5098"/>
+            </a:schemeClr>
+          </a:solidFill>
+          <a:ln>
+            <a:solidFill>
+              <a:schemeClr val="accent3">
+                <a:lumMod val="75000"/>
+              </a:schemeClr>
+            </a:solidFill>
+          </a:ln>
+        </p:spPr>
+        <p:style>
+          <a:lnRef idx="2">
+            <a:schemeClr val="dk1">
+              <a:shade val="15000"/>
+            </a:schemeClr>
+          </a:lnRef>
+          <a:fillRef idx="1">
+            <a:schemeClr val="dk1"/>
+          </a:fillRef>
+          <a:effectRef idx="0">
+            <a:schemeClr val="dk1"/>
+          </a:effectRef>
+          <a:fontRef idx="minor">
+            <a:schemeClr val="lt1"/>
+          </a:fontRef>
+        </p:style>
+        <p:txBody>
+          <a:bodyPr wrap="square" lIns="0" tIns="0" rIns="0" bIns="0" rtlCol="0" anchor="t" anchorCtr="0"/>
+          <a:lstStyle/>
+          <a:p>
+            <a:pPr algn="ctr"/>
+            <a:endParaRPr lang="en-GB" sz="1600" dirty="0">
+              <a:solidFill>
+                <a:schemeClr val="tx1"/>
+              </a:solidFill>
+              <a:latin typeface="Times New Roman" panose="02020603050405020304" pitchFamily="18" charset="0"/>
+              <a:cs typeface="Times New Roman" panose="02020603050405020304" pitchFamily="18" charset="0"/>
+            </a:endParaRPr>
+          </a:p>
+        </p:txBody>
+      </p:sp>
+      <p:sp>
+        <p:nvSpPr>
+          <p:cNvPr id="12" name="TextBox 11">
+            <a:extLst>
+              <a:ext uri="{FF2B5EF4-FFF2-40B4-BE49-F238E27FC236}">
+                <a16:creationId xmlns:a16="http://schemas.microsoft.com/office/drawing/2014/main" id="{46AB1DA0-D271-2AAF-29CD-41C39FD34CA6}"/>
+              </a:ext>
+            </a:extLst>
+          </p:cNvPr>
+          <p:cNvSpPr txBox="1"/>
+          <p:nvPr/>
+        </p:nvSpPr>
+        <p:spPr>
+          <a:xfrm>
+            <a:off x="5115107" y="4025827"/>
+            <a:ext cx="603844" cy="246221"/>
+          </a:xfrm>
+          <a:prstGeom prst="rect">
+            <a:avLst/>
+          </a:prstGeom>
+          <a:noFill/>
+        </p:spPr>
+        <p:txBody>
+          <a:bodyPr wrap="square" lIns="0" tIns="0" rIns="0" bIns="0" rtlCol="0">
+            <a:spAutoFit/>
+          </a:bodyPr>
+          <a:lstStyle/>
+          <a:p>
+            <a:r>
+              <a:rPr lang="en-GB" sz="1600" i="1" dirty="0">
+                <a:solidFill>
+                  <a:schemeClr val="accent3">
+                    <a:lumMod val="75000"/>
+                  </a:schemeClr>
+                </a:solidFill>
+                <a:latin typeface="Times New Roman" panose="02020603050405020304" pitchFamily="18" charset="0"/>
+                <a:cs typeface="Times New Roman" panose="02020603050405020304" pitchFamily="18" charset="0"/>
+              </a:rPr>
+              <a:t>closed</a:t>
+            </a:r>
+          </a:p>
+        </p:txBody>
+      </p:sp>
+      <p:sp>
+        <p:nvSpPr>
+          <p:cNvPr id="15" name="Oval 14">
+            <a:extLst>
+              <a:ext uri="{FF2B5EF4-FFF2-40B4-BE49-F238E27FC236}">
+                <a16:creationId xmlns:a16="http://schemas.microsoft.com/office/drawing/2014/main" id="{1BF16589-1CAA-C0AD-C228-6490FFFA5428}"/>
+              </a:ext>
+            </a:extLst>
+          </p:cNvPr>
+          <p:cNvSpPr/>
+          <p:nvPr/>
+        </p:nvSpPr>
+        <p:spPr>
+          <a:xfrm>
+            <a:off x="2493192" y="4254426"/>
+            <a:ext cx="2396274" cy="1589162"/>
+          </a:xfrm>
+          <a:prstGeom prst="ellipse">
+            <a:avLst/>
+          </a:prstGeom>
+          <a:solidFill>
+            <a:schemeClr val="tx2">
+              <a:lumMod val="50000"/>
+              <a:lumOff val="50000"/>
+              <a:alpha val="5098"/>
+            </a:schemeClr>
+          </a:solidFill>
+          <a:ln>
+            <a:solidFill>
+              <a:schemeClr val="tx2">
+                <a:lumMod val="75000"/>
+                <a:lumOff val="25000"/>
+              </a:schemeClr>
+            </a:solidFill>
+          </a:ln>
+        </p:spPr>
+        <p:style>
+          <a:lnRef idx="2">
+            <a:schemeClr val="dk1">
+              <a:shade val="15000"/>
+            </a:schemeClr>
+          </a:lnRef>
+          <a:fillRef idx="1">
+            <a:schemeClr val="dk1"/>
+          </a:fillRef>
+          <a:effectRef idx="0">
+            <a:schemeClr val="dk1"/>
+          </a:effectRef>
+          <a:fontRef idx="minor">
+            <a:schemeClr val="lt1"/>
+          </a:fontRef>
+        </p:style>
+        <p:txBody>
+          <a:bodyPr wrap="square" lIns="0" tIns="0" rIns="0" bIns="0" rtlCol="0" anchor="t" anchorCtr="0"/>
+          <a:lstStyle/>
+          <a:p>
+            <a:pPr algn="ctr"/>
+            <a:endParaRPr lang="en-GB" sz="1600" dirty="0">
+              <a:solidFill>
+                <a:schemeClr val="accent4">
+                  <a:lumMod val="50000"/>
+                </a:schemeClr>
+              </a:solidFill>
+              <a:latin typeface="Times New Roman" panose="02020603050405020304" pitchFamily="18" charset="0"/>
+              <a:cs typeface="Times New Roman" panose="02020603050405020304" pitchFamily="18" charset="0"/>
+            </a:endParaRPr>
+          </a:p>
+        </p:txBody>
+      </p:sp>
+      <p:sp>
+        <p:nvSpPr>
+          <p:cNvPr id="22" name="TextBox 21">
+            <a:extLst>
+              <a:ext uri="{FF2B5EF4-FFF2-40B4-BE49-F238E27FC236}">
+                <a16:creationId xmlns:a16="http://schemas.microsoft.com/office/drawing/2014/main" id="{E97D63FB-4C8E-C14B-52C7-A8E2019EF372}"/>
+              </a:ext>
+            </a:extLst>
+          </p:cNvPr>
+          <p:cNvSpPr txBox="1"/>
+          <p:nvPr/>
+        </p:nvSpPr>
+        <p:spPr>
+          <a:xfrm>
+            <a:off x="2567927" y="4942000"/>
+            <a:ext cx="525785" cy="246221"/>
+          </a:xfrm>
+          <a:prstGeom prst="rect">
+            <a:avLst/>
+          </a:prstGeom>
+          <a:noFill/>
+          <a:ln>
+            <a:noFill/>
+          </a:ln>
+        </p:spPr>
+        <p:txBody>
+          <a:bodyPr wrap="none" lIns="0" tIns="0" rIns="0" bIns="0" rtlCol="0">
+            <a:spAutoFit/>
+          </a:bodyPr>
+          <a:lstStyle/>
+          <a:p>
+            <a:r>
+              <a:rPr lang="en-GB" sz="1600" i="1" dirty="0">
+                <a:solidFill>
+                  <a:schemeClr val="tx2">
+                    <a:lumMod val="75000"/>
+                    <a:lumOff val="25000"/>
+                  </a:schemeClr>
+                </a:solidFill>
+                <a:latin typeface="Times New Roman" panose="02020603050405020304" pitchFamily="18" charset="0"/>
+                <a:cs typeface="Times New Roman" panose="02020603050405020304" pitchFamily="18" charset="0"/>
+              </a:rPr>
+              <a:t>steady</a:t>
+            </a:r>
+          </a:p>
+        </p:txBody>
+      </p:sp>
+      <p:sp>
+        <p:nvSpPr>
+          <p:cNvPr id="23" name="TextBox 22">
+            <a:extLst>
+              <a:ext uri="{FF2B5EF4-FFF2-40B4-BE49-F238E27FC236}">
+                <a16:creationId xmlns:a16="http://schemas.microsoft.com/office/drawing/2014/main" id="{13A196BA-E0CD-6C19-3ED4-8BC03B9BB6AF}"/>
+              </a:ext>
+            </a:extLst>
+          </p:cNvPr>
+          <p:cNvSpPr txBox="1"/>
+          <p:nvPr/>
+        </p:nvSpPr>
+        <p:spPr>
+          <a:xfrm>
+            <a:off x="3122476" y="3997295"/>
+            <a:ext cx="598305" cy="246221"/>
+          </a:xfrm>
+          <a:prstGeom prst="rect">
+            <a:avLst/>
+          </a:prstGeom>
+          <a:noFill/>
+          <a:ln>
+            <a:noFill/>
+          </a:ln>
+        </p:spPr>
+        <p:txBody>
+          <a:bodyPr wrap="none" lIns="0" tIns="0" rIns="0" bIns="0" rtlCol="0">
+            <a:spAutoFit/>
+          </a:bodyPr>
+          <a:lstStyle/>
+          <a:p>
+            <a:r>
+              <a:rPr lang="en-GB" sz="1600" i="1" dirty="0">
+                <a:solidFill>
+                  <a:schemeClr val="tx2">
+                    <a:lumMod val="75000"/>
+                    <a:lumOff val="25000"/>
+                  </a:schemeClr>
+                </a:solidFill>
+                <a:latin typeface="Times New Roman" panose="02020603050405020304" pitchFamily="18" charset="0"/>
+                <a:cs typeface="Times New Roman" panose="02020603050405020304" pitchFamily="18" charset="0"/>
+              </a:rPr>
+              <a:t>present</a:t>
+            </a:r>
+          </a:p>
+        </p:txBody>
+      </p:sp>
+      <p:sp>
+        <p:nvSpPr>
+          <p:cNvPr id="24" name="Oval 23">
+            <a:extLst>
+              <a:ext uri="{FF2B5EF4-FFF2-40B4-BE49-F238E27FC236}">
+                <a16:creationId xmlns:a16="http://schemas.microsoft.com/office/drawing/2014/main" id="{DF9EA56A-6E31-A63F-5A21-15FAEDB9C7A6}"/>
+              </a:ext>
+            </a:extLst>
+          </p:cNvPr>
+          <p:cNvSpPr/>
+          <p:nvPr/>
+        </p:nvSpPr>
+        <p:spPr>
+          <a:xfrm>
+            <a:off x="3349226" y="4666429"/>
+            <a:ext cx="1253120" cy="798551"/>
+          </a:xfrm>
+          <a:prstGeom prst="ellipse">
+            <a:avLst/>
+          </a:prstGeom>
+          <a:solidFill>
+            <a:schemeClr val="tx2">
+              <a:lumMod val="50000"/>
+              <a:lumOff val="50000"/>
+              <a:alpha val="5098"/>
+            </a:schemeClr>
+          </a:solidFill>
+          <a:ln>
+            <a:solidFill>
+              <a:schemeClr val="tx2">
+                <a:lumMod val="75000"/>
+                <a:lumOff val="25000"/>
+              </a:schemeClr>
+            </a:solidFill>
+          </a:ln>
+        </p:spPr>
+        <p:style>
+          <a:lnRef idx="2">
+            <a:schemeClr val="dk1">
+              <a:shade val="15000"/>
+            </a:schemeClr>
+          </a:lnRef>
+          <a:fillRef idx="1">
+            <a:schemeClr val="dk1"/>
+          </a:fillRef>
+          <a:effectRef idx="0">
+            <a:schemeClr val="dk1"/>
+          </a:effectRef>
+          <a:fontRef idx="minor">
+            <a:schemeClr val="lt1"/>
+          </a:fontRef>
+        </p:style>
+        <p:txBody>
+          <a:bodyPr wrap="square" lIns="0" tIns="0" rIns="0" bIns="0" rtlCol="0" anchor="t" anchorCtr="0"/>
+          <a:lstStyle/>
+          <a:p>
+            <a:pPr algn="ctr"/>
+            <a:endParaRPr lang="en-GB" sz="1600" dirty="0">
+              <a:solidFill>
+                <a:schemeClr val="accent4">
+                  <a:lumMod val="50000"/>
+                </a:schemeClr>
+              </a:solidFill>
+              <a:latin typeface="Times New Roman" panose="02020603050405020304" pitchFamily="18" charset="0"/>
+              <a:cs typeface="Times New Roman" panose="02020603050405020304" pitchFamily="18" charset="0"/>
+            </a:endParaRPr>
+          </a:p>
+        </p:txBody>
+      </p:sp>
+      <p:sp>
+        <p:nvSpPr>
+          <p:cNvPr id="27" name="TextBox 26">
+            <a:extLst>
+              <a:ext uri="{FF2B5EF4-FFF2-40B4-BE49-F238E27FC236}">
+                <a16:creationId xmlns:a16="http://schemas.microsoft.com/office/drawing/2014/main" id="{B2676C24-CE8C-E16B-986F-D3B6A4B79A11}"/>
+              </a:ext>
+            </a:extLst>
+          </p:cNvPr>
+          <p:cNvSpPr txBox="1"/>
+          <p:nvPr/>
+        </p:nvSpPr>
+        <p:spPr>
+          <a:xfrm>
+            <a:off x="3469359" y="4942000"/>
+            <a:ext cx="407450" cy="246221"/>
+          </a:xfrm>
+          <a:prstGeom prst="rect">
+            <a:avLst/>
+          </a:prstGeom>
+          <a:noFill/>
+          <a:ln>
+            <a:noFill/>
+          </a:ln>
+        </p:spPr>
+        <p:txBody>
+          <a:bodyPr wrap="square" lIns="0" tIns="0" rIns="0" bIns="0" rtlCol="0">
+            <a:spAutoFit/>
+          </a:bodyPr>
+          <a:lstStyle/>
+          <a:p>
+            <a:r>
+              <a:rPr lang="en-GB" sz="1600" i="1" dirty="0">
+                <a:solidFill>
+                  <a:schemeClr val="tx2">
+                    <a:lumMod val="75000"/>
+                    <a:lumOff val="25000"/>
+                  </a:schemeClr>
+                </a:solidFill>
+                <a:latin typeface="Times New Roman" panose="02020603050405020304" pitchFamily="18" charset="0"/>
+                <a:cs typeface="Times New Roman" panose="02020603050405020304" pitchFamily="18" charset="0"/>
+              </a:rPr>
+              <a:t>final</a:t>
+            </a:r>
+          </a:p>
+        </p:txBody>
+      </p:sp>
+      <p:sp>
+        <p:nvSpPr>
+          <p:cNvPr id="28" name="Oval 27">
+            <a:extLst>
+              <a:ext uri="{FF2B5EF4-FFF2-40B4-BE49-F238E27FC236}">
+                <a16:creationId xmlns:a16="http://schemas.microsoft.com/office/drawing/2014/main" id="{4E9C66C6-CC90-E676-EBC1-985350CC638A}"/>
+              </a:ext>
+            </a:extLst>
+          </p:cNvPr>
+          <p:cNvSpPr/>
+          <p:nvPr/>
+        </p:nvSpPr>
+        <p:spPr>
+          <a:xfrm>
+            <a:off x="3921005" y="4254426"/>
+            <a:ext cx="2355970" cy="1589162"/>
+          </a:xfrm>
+          <a:prstGeom prst="ellipse">
+            <a:avLst/>
+          </a:prstGeom>
+          <a:solidFill>
+            <a:schemeClr val="accent3">
+              <a:lumMod val="60000"/>
+              <a:lumOff val="40000"/>
+              <a:alpha val="5098"/>
+            </a:schemeClr>
+          </a:solidFill>
+          <a:ln>
+            <a:solidFill>
+              <a:schemeClr val="accent3">
+                <a:lumMod val="75000"/>
+              </a:schemeClr>
+            </a:solidFill>
+          </a:ln>
+        </p:spPr>
+        <p:style>
+          <a:lnRef idx="2">
+            <a:schemeClr val="dk1">
+              <a:shade val="15000"/>
+            </a:schemeClr>
+          </a:lnRef>
+          <a:fillRef idx="1">
+            <a:schemeClr val="dk1"/>
+          </a:fillRef>
+          <a:effectRef idx="0">
+            <a:schemeClr val="dk1"/>
+          </a:effectRef>
+          <a:fontRef idx="minor">
+            <a:schemeClr val="lt1"/>
+          </a:fontRef>
+        </p:style>
+        <p:txBody>
+          <a:bodyPr wrap="square" lIns="0" tIns="0" rIns="0" bIns="0" rtlCol="0" anchor="t" anchorCtr="0"/>
+          <a:lstStyle/>
+          <a:p>
+            <a:pPr algn="ctr"/>
+            <a:endParaRPr lang="en-GB" sz="1600" dirty="0">
+              <a:solidFill>
+                <a:schemeClr val="tx1"/>
+              </a:solidFill>
+              <a:latin typeface="Times New Roman" panose="02020603050405020304" pitchFamily="18" charset="0"/>
+              <a:cs typeface="Times New Roman" panose="02020603050405020304" pitchFamily="18" charset="0"/>
+            </a:endParaRPr>
+          </a:p>
+        </p:txBody>
+      </p:sp>
+      <p:sp>
+        <p:nvSpPr>
+          <p:cNvPr id="29" name="TextBox 28">
+            <a:extLst>
+              <a:ext uri="{FF2B5EF4-FFF2-40B4-BE49-F238E27FC236}">
+                <a16:creationId xmlns:a16="http://schemas.microsoft.com/office/drawing/2014/main" id="{9ED8F9F6-9271-8DA9-7659-65B5CA7B9284}"/>
+              </a:ext>
+            </a:extLst>
+          </p:cNvPr>
+          <p:cNvSpPr txBox="1"/>
+          <p:nvPr/>
+        </p:nvSpPr>
+        <p:spPr>
+          <a:xfrm>
+            <a:off x="5929319" y="4941999"/>
+            <a:ext cx="304969" cy="246221"/>
+          </a:xfrm>
+          <a:prstGeom prst="rect">
+            <a:avLst/>
+          </a:prstGeom>
+          <a:noFill/>
+        </p:spPr>
+        <p:txBody>
+          <a:bodyPr wrap="square" lIns="0" tIns="0" rIns="0" bIns="0" rtlCol="0">
+            <a:spAutoFit/>
+          </a:bodyPr>
+          <a:lstStyle/>
+          <a:p>
+            <a:r>
+              <a:rPr lang="en-GB" sz="1600" i="1" dirty="0">
+                <a:solidFill>
+                  <a:schemeClr val="accent3">
+                    <a:lumMod val="75000"/>
+                  </a:schemeClr>
+                </a:solidFill>
+                <a:latin typeface="Times New Roman" panose="02020603050405020304" pitchFamily="18" charset="0"/>
+                <a:cs typeface="Times New Roman" panose="02020603050405020304" pitchFamily="18" charset="0"/>
+              </a:rPr>
+              <a:t>full</a:t>
+            </a:r>
+          </a:p>
+        </p:txBody>
+      </p:sp>
+      <p:sp>
+        <p:nvSpPr>
+          <p:cNvPr id="33" name="TextBox 32">
+            <a:extLst>
+              <a:ext uri="{FF2B5EF4-FFF2-40B4-BE49-F238E27FC236}">
+                <a16:creationId xmlns:a16="http://schemas.microsoft.com/office/drawing/2014/main" id="{819D2ED5-34F5-8959-528D-2B6AA5A253C1}"/>
+              </a:ext>
+            </a:extLst>
+          </p:cNvPr>
+          <p:cNvSpPr txBox="1"/>
+          <p:nvPr/>
+        </p:nvSpPr>
+        <p:spPr>
+          <a:xfrm>
+            <a:off x="3421629" y="3733173"/>
+            <a:ext cx="434414" cy="246221"/>
+          </a:xfrm>
+          <a:prstGeom prst="rect">
+            <a:avLst/>
+          </a:prstGeom>
+          <a:noFill/>
+          <a:ln>
+            <a:noFill/>
+          </a:ln>
+        </p:spPr>
+        <p:txBody>
+          <a:bodyPr wrap="none" lIns="0" tIns="0" rIns="0" bIns="0" rtlCol="0">
+            <a:spAutoFit/>
+          </a:bodyPr>
+          <a:lstStyle/>
+          <a:p>
+            <a:r>
+              <a:rPr lang="en-GB" sz="1600" i="1" dirty="0">
+                <a:solidFill>
+                  <a:schemeClr val="tx2">
+                    <a:lumMod val="75000"/>
+                    <a:lumOff val="25000"/>
+                  </a:schemeClr>
+                </a:solidFill>
+                <a:latin typeface="Times New Roman" panose="02020603050405020304" pitchFamily="18" charset="0"/>
+                <a:cs typeface="Times New Roman" panose="02020603050405020304" pitchFamily="18" charset="0"/>
+              </a:rPr>
+              <a:t>outer</a:t>
+            </a:r>
+          </a:p>
+        </p:txBody>
+      </p:sp>
+      <p:sp>
+        <p:nvSpPr>
+          <p:cNvPr id="35" name="Oval 34">
+            <a:extLst>
+              <a:ext uri="{FF2B5EF4-FFF2-40B4-BE49-F238E27FC236}">
+                <a16:creationId xmlns:a16="http://schemas.microsoft.com/office/drawing/2014/main" id="{35156D48-1FBF-861B-B991-1165F6FC886F}"/>
+              </a:ext>
+            </a:extLst>
+          </p:cNvPr>
+          <p:cNvSpPr/>
+          <p:nvPr/>
+        </p:nvSpPr>
+        <p:spPr>
+          <a:xfrm>
+            <a:off x="8289598" y="4302452"/>
+            <a:ext cx="1253120" cy="798551"/>
+          </a:xfrm>
+          <a:prstGeom prst="ellipse">
+            <a:avLst/>
+          </a:prstGeom>
+          <a:solidFill>
+            <a:schemeClr val="tx2">
+              <a:lumMod val="50000"/>
+              <a:lumOff val="50000"/>
+              <a:alpha val="5098"/>
+            </a:schemeClr>
+          </a:solidFill>
+          <a:ln>
+            <a:solidFill>
+              <a:schemeClr val="tx2">
+                <a:lumMod val="75000"/>
+                <a:lumOff val="25000"/>
+              </a:schemeClr>
+            </a:solidFill>
+          </a:ln>
+        </p:spPr>
+        <p:style>
+          <a:lnRef idx="2">
+            <a:schemeClr val="dk1">
+              <a:shade val="15000"/>
+            </a:schemeClr>
+          </a:lnRef>
+          <a:fillRef idx="1">
+            <a:schemeClr val="dk1"/>
+          </a:fillRef>
+          <a:effectRef idx="0">
+            <a:schemeClr val="dk1"/>
+          </a:effectRef>
+          <a:fontRef idx="minor">
+            <a:schemeClr val="lt1"/>
+          </a:fontRef>
+        </p:style>
+        <p:txBody>
+          <a:bodyPr wrap="square" lIns="0" tIns="0" rIns="0" bIns="0" rtlCol="0" anchor="t" anchorCtr="0"/>
+          <a:lstStyle/>
+          <a:p>
+            <a:pPr algn="ctr"/>
+            <a:endParaRPr lang="en-GB" sz="1600" dirty="0">
+              <a:solidFill>
+                <a:schemeClr val="accent4">
+                  <a:lumMod val="50000"/>
+                </a:schemeClr>
+              </a:solidFill>
+              <a:latin typeface="Times New Roman" panose="02020603050405020304" pitchFamily="18" charset="0"/>
+              <a:cs typeface="Times New Roman" panose="02020603050405020304" pitchFamily="18" charset="0"/>
+            </a:endParaRPr>
+          </a:p>
+        </p:txBody>
+      </p:sp>
+      <p:sp>
+        <p:nvSpPr>
+          <p:cNvPr id="36" name="TextBox 35">
+            <a:extLst>
+              <a:ext uri="{FF2B5EF4-FFF2-40B4-BE49-F238E27FC236}">
+                <a16:creationId xmlns:a16="http://schemas.microsoft.com/office/drawing/2014/main" id="{A5A8718A-58B6-FB92-1DD8-D167D330EB9B}"/>
+              </a:ext>
+            </a:extLst>
+          </p:cNvPr>
+          <p:cNvSpPr txBox="1"/>
+          <p:nvPr/>
+        </p:nvSpPr>
+        <p:spPr>
+          <a:xfrm>
+            <a:off x="8636433" y="4554324"/>
+            <a:ext cx="559449" cy="246221"/>
+          </a:xfrm>
+          <a:prstGeom prst="rect">
+            <a:avLst/>
+          </a:prstGeom>
+          <a:noFill/>
+          <a:ln>
+            <a:noFill/>
+          </a:ln>
+        </p:spPr>
+        <p:txBody>
+          <a:bodyPr wrap="none" lIns="0" tIns="0" rIns="0" bIns="0" rtlCol="0">
+            <a:spAutoFit/>
+          </a:bodyPr>
+          <a:lstStyle/>
+          <a:p>
+            <a:r>
+              <a:rPr lang="en-GB" sz="1600" i="1" dirty="0">
+                <a:solidFill>
+                  <a:schemeClr val="tx2">
+                    <a:lumMod val="75000"/>
+                    <a:lumOff val="25000"/>
+                  </a:schemeClr>
+                </a:solidFill>
+                <a:latin typeface="Times New Roman" panose="02020603050405020304" pitchFamily="18" charset="0"/>
+                <a:cs typeface="Times New Roman" panose="02020603050405020304" pitchFamily="18" charset="0"/>
+              </a:rPr>
+              <a:t>atomic</a:t>
+            </a:r>
+          </a:p>
+        </p:txBody>
+      </p:sp>
+      <p:sp>
+        <p:nvSpPr>
+          <p:cNvPr id="39" name="TextBox 38">
+            <a:extLst>
+              <a:ext uri="{FF2B5EF4-FFF2-40B4-BE49-F238E27FC236}">
+                <a16:creationId xmlns:a16="http://schemas.microsoft.com/office/drawing/2014/main" id="{9F50132D-6113-0117-7103-A29128FBD448}"/>
+              </a:ext>
+            </a:extLst>
+          </p:cNvPr>
+          <p:cNvSpPr txBox="1"/>
+          <p:nvPr/>
+        </p:nvSpPr>
+        <p:spPr>
+          <a:xfrm>
+            <a:off x="8638155" y="4053123"/>
+            <a:ext cx="598305" cy="246221"/>
+          </a:xfrm>
+          <a:prstGeom prst="rect">
+            <a:avLst/>
+          </a:prstGeom>
+          <a:noFill/>
+          <a:ln>
+            <a:noFill/>
+          </a:ln>
+        </p:spPr>
+        <p:txBody>
+          <a:bodyPr wrap="none" lIns="0" tIns="0" rIns="0" bIns="0" rtlCol="0">
+            <a:spAutoFit/>
+          </a:bodyPr>
+          <a:lstStyle/>
+          <a:p>
+            <a:r>
+              <a:rPr lang="en-GB" sz="1600" i="1" dirty="0">
+                <a:solidFill>
+                  <a:schemeClr val="tx2">
+                    <a:lumMod val="75000"/>
+                    <a:lumOff val="25000"/>
+                  </a:schemeClr>
+                </a:solidFill>
+                <a:latin typeface="Times New Roman" panose="02020603050405020304" pitchFamily="18" charset="0"/>
+                <a:cs typeface="Times New Roman" panose="02020603050405020304" pitchFamily="18" charset="0"/>
+              </a:rPr>
+              <a:t>present</a:t>
+            </a:r>
+          </a:p>
+        </p:txBody>
+      </p:sp>
+      <p:sp>
+        <p:nvSpPr>
+          <p:cNvPr id="41" name="TextBox 40">
+            <a:extLst>
+              <a:ext uri="{FF2B5EF4-FFF2-40B4-BE49-F238E27FC236}">
+                <a16:creationId xmlns:a16="http://schemas.microsoft.com/office/drawing/2014/main" id="{12961E59-5D55-D4C7-977F-8BBBBBD9FE03}"/>
+              </a:ext>
+            </a:extLst>
+          </p:cNvPr>
+          <p:cNvSpPr txBox="1"/>
+          <p:nvPr/>
+        </p:nvSpPr>
+        <p:spPr>
+          <a:xfrm>
+            <a:off x="8698950" y="3789505"/>
+            <a:ext cx="434414" cy="246221"/>
+          </a:xfrm>
+          <a:prstGeom prst="rect">
+            <a:avLst/>
+          </a:prstGeom>
+          <a:noFill/>
+          <a:ln>
+            <a:noFill/>
+          </a:ln>
+        </p:spPr>
+        <p:txBody>
+          <a:bodyPr wrap="none" lIns="0" tIns="0" rIns="0" bIns="0" rtlCol="0">
+            <a:spAutoFit/>
+          </a:bodyPr>
+          <a:lstStyle/>
+          <a:p>
+            <a:r>
+              <a:rPr lang="en-GB" sz="1600" i="1" dirty="0">
+                <a:solidFill>
+                  <a:schemeClr val="tx2">
+                    <a:lumMod val="75000"/>
+                    <a:lumOff val="25000"/>
+                  </a:schemeClr>
+                </a:solidFill>
+                <a:latin typeface="Times New Roman" panose="02020603050405020304" pitchFamily="18" charset="0"/>
+                <a:cs typeface="Times New Roman" panose="02020603050405020304" pitchFamily="18" charset="0"/>
               </a:rPr>
               <a:t>outer</a:t>
             </a:r>

--- a/doc/exploration/figs/figs.pptx
+++ b/doc/exploration/figs/figs.pptx
@@ -261,7 +261,7 @@
           <a:p>
             <a:fld id="{89C90CB0-6EC3-4EC0-A0AA-4891736AFE14}" type="datetimeFigureOut">
               <a:rPr lang="en-GB" smtClean="0"/>
-              <a:t>09/09/2024</a:t>
+              <a:t>15/09/2024</a:t>
             </a:fld>
             <a:endParaRPr lang="en-GB"/>
           </a:p>
@@ -461,7 +461,7 @@
           <a:p>
             <a:fld id="{89C90CB0-6EC3-4EC0-A0AA-4891736AFE14}" type="datetimeFigureOut">
               <a:rPr lang="en-GB" smtClean="0"/>
-              <a:t>09/09/2024</a:t>
+              <a:t>15/09/2024</a:t>
             </a:fld>
             <a:endParaRPr lang="en-GB"/>
           </a:p>
@@ -671,7 +671,7 @@
           <a:p>
             <a:fld id="{89C90CB0-6EC3-4EC0-A0AA-4891736AFE14}" type="datetimeFigureOut">
               <a:rPr lang="en-GB" smtClean="0"/>
-              <a:t>09/09/2024</a:t>
+              <a:t>15/09/2024</a:t>
             </a:fld>
             <a:endParaRPr lang="en-GB"/>
           </a:p>
@@ -871,7 +871,7 @@
           <a:p>
             <a:fld id="{89C90CB0-6EC3-4EC0-A0AA-4891736AFE14}" type="datetimeFigureOut">
               <a:rPr lang="en-GB" smtClean="0"/>
-              <a:t>09/09/2024</a:t>
+              <a:t>15/09/2024</a:t>
             </a:fld>
             <a:endParaRPr lang="en-GB"/>
           </a:p>
@@ -1147,7 +1147,7 @@
           <a:p>
             <a:fld id="{89C90CB0-6EC3-4EC0-A0AA-4891736AFE14}" type="datetimeFigureOut">
               <a:rPr lang="en-GB" smtClean="0"/>
-              <a:t>09/09/2024</a:t>
+              <a:t>15/09/2024</a:t>
             </a:fld>
             <a:endParaRPr lang="en-GB"/>
           </a:p>
@@ -1415,7 +1415,7 @@
           <a:p>
             <a:fld id="{89C90CB0-6EC3-4EC0-A0AA-4891736AFE14}" type="datetimeFigureOut">
               <a:rPr lang="en-GB" smtClean="0"/>
-              <a:t>09/09/2024</a:t>
+              <a:t>15/09/2024</a:t>
             </a:fld>
             <a:endParaRPr lang="en-GB"/>
           </a:p>
@@ -1830,7 +1830,7 @@
           <a:p>
             <a:fld id="{89C90CB0-6EC3-4EC0-A0AA-4891736AFE14}" type="datetimeFigureOut">
               <a:rPr lang="en-GB" smtClean="0"/>
-              <a:t>09/09/2024</a:t>
+              <a:t>15/09/2024</a:t>
             </a:fld>
             <a:endParaRPr lang="en-GB"/>
           </a:p>
@@ -1972,7 +1972,7 @@
           <a:p>
             <a:fld id="{89C90CB0-6EC3-4EC0-A0AA-4891736AFE14}" type="datetimeFigureOut">
               <a:rPr lang="en-GB" smtClean="0"/>
-              <a:t>09/09/2024</a:t>
+              <a:t>15/09/2024</a:t>
             </a:fld>
             <a:endParaRPr lang="en-GB"/>
           </a:p>
@@ -2085,7 +2085,7 @@
           <a:p>
             <a:fld id="{89C90CB0-6EC3-4EC0-A0AA-4891736AFE14}" type="datetimeFigureOut">
               <a:rPr lang="en-GB" smtClean="0"/>
-              <a:t>09/09/2024</a:t>
+              <a:t>15/09/2024</a:t>
             </a:fld>
             <a:endParaRPr lang="en-GB"/>
           </a:p>
@@ -2398,7 +2398,7 @@
           <a:p>
             <a:fld id="{89C90CB0-6EC3-4EC0-A0AA-4891736AFE14}" type="datetimeFigureOut">
               <a:rPr lang="en-GB" smtClean="0"/>
-              <a:t>09/09/2024</a:t>
+              <a:t>15/09/2024</a:t>
             </a:fld>
             <a:endParaRPr lang="en-GB"/>
           </a:p>
@@ -2687,7 +2687,7 @@
           <a:p>
             <a:fld id="{89C90CB0-6EC3-4EC0-A0AA-4891736AFE14}" type="datetimeFigureOut">
               <a:rPr lang="en-GB" smtClean="0"/>
-              <a:t>09/09/2024</a:t>
+              <a:t>15/09/2024</a:t>
             </a:fld>
             <a:endParaRPr lang="en-GB"/>
           </a:p>
@@ -2930,7 +2930,7 @@
           <a:p>
             <a:fld id="{89C90CB0-6EC3-4EC0-A0AA-4891736AFE14}" type="datetimeFigureOut">
               <a:rPr lang="en-GB" smtClean="0"/>
-              <a:t>09/09/2024</a:t>
+              <a:t>15/09/2024</a:t>
             </a:fld>
             <a:endParaRPr lang="en-GB"/>
           </a:p>
@@ -3361,8 +3361,8 @@
         </p:nvSpPr>
         <p:spPr>
           <a:xfrm>
-            <a:off x="7715251" y="3797032"/>
-            <a:ext cx="2381250" cy="1760806"/>
+            <a:off x="8080795" y="3983463"/>
+            <a:ext cx="2365302" cy="1378418"/>
           </a:xfrm>
           <a:prstGeom prst="ellipse">
             <a:avLst/>
@@ -3430,8 +3430,8 @@
         </p:nvSpPr>
         <p:spPr>
           <a:xfrm>
-            <a:off x="7990214" y="4048360"/>
-            <a:ext cx="1839585" cy="1280878"/>
+            <a:off x="7471354" y="3982769"/>
+            <a:ext cx="2282972" cy="1378418"/>
           </a:xfrm>
           <a:prstGeom prst="ellipse">
             <a:avLst/>
@@ -3499,8 +3499,8 @@
         </p:nvSpPr>
         <p:spPr>
           <a:xfrm>
-            <a:off x="1866899" y="3762375"/>
-            <a:ext cx="3626409" cy="2543175"/>
+            <a:off x="1845812" y="3280751"/>
+            <a:ext cx="3536662" cy="2294243"/>
           </a:xfrm>
           <a:prstGeom prst="ellipse">
             <a:avLst/>
@@ -3568,7 +3568,7 @@
         </p:nvSpPr>
         <p:spPr>
           <a:xfrm>
-            <a:off x="7045343" y="1640952"/>
+            <a:off x="7045343" y="936102"/>
             <a:ext cx="2105142" cy="1420017"/>
           </a:xfrm>
           <a:prstGeom prst="ellipse">
@@ -3637,7 +3637,7 @@
         </p:nvSpPr>
         <p:spPr>
           <a:xfrm>
-            <a:off x="7471354" y="1946109"/>
+            <a:off x="7471354" y="1241259"/>
             <a:ext cx="1253120" cy="798551"/>
           </a:xfrm>
           <a:prstGeom prst="ellipse">
@@ -3706,7 +3706,7 @@
         </p:nvSpPr>
         <p:spPr>
           <a:xfrm>
-            <a:off x="2068749" y="1200848"/>
+            <a:off x="2068749" y="495998"/>
             <a:ext cx="3171278" cy="2228153"/>
           </a:xfrm>
           <a:prstGeom prst="ellipse">
@@ -3775,7 +3775,7 @@
         </p:nvSpPr>
         <p:spPr>
           <a:xfrm>
-            <a:off x="3151477" y="1200847"/>
+            <a:off x="3151477" y="495997"/>
             <a:ext cx="3483486" cy="2228153"/>
           </a:xfrm>
           <a:prstGeom prst="ellipse">
@@ -3841,7 +3841,7 @@
         </p:nvSpPr>
         <p:spPr>
           <a:xfrm>
-            <a:off x="4718594" y="1232476"/>
+            <a:off x="4718594" y="527626"/>
             <a:ext cx="603844" cy="246221"/>
           </a:xfrm>
           <a:prstGeom prst="rect">
@@ -3884,7 +3884,7 @@
         </p:nvSpPr>
         <p:spPr>
           <a:xfrm>
-            <a:off x="2457854" y="1474875"/>
+            <a:off x="2457854" y="770025"/>
             <a:ext cx="2435101" cy="1707822"/>
           </a:xfrm>
           <a:prstGeom prst="ellipse">
@@ -3953,7 +3953,7 @@
         </p:nvSpPr>
         <p:spPr>
           <a:xfrm>
-            <a:off x="2532590" y="2222275"/>
+            <a:off x="2532590" y="1517425"/>
             <a:ext cx="525785" cy="246221"/>
           </a:xfrm>
           <a:prstGeom prst="rect">
@@ -4000,7 +4000,7 @@
         </p:nvSpPr>
         <p:spPr>
           <a:xfrm>
-            <a:off x="3069066" y="1232476"/>
+            <a:off x="3069066" y="527626"/>
             <a:ext cx="434414" cy="246221"/>
           </a:xfrm>
           <a:prstGeom prst="rect">
@@ -4047,7 +4047,7 @@
         </p:nvSpPr>
         <p:spPr>
           <a:xfrm>
-            <a:off x="3313889" y="1946704"/>
+            <a:off x="3313889" y="1241854"/>
             <a:ext cx="1253120" cy="798551"/>
           </a:xfrm>
           <a:prstGeom prst="ellipse">
@@ -4116,7 +4116,7 @@
         </p:nvSpPr>
         <p:spPr>
           <a:xfrm>
-            <a:off x="3434022" y="2222275"/>
+            <a:off x="3434022" y="1517425"/>
             <a:ext cx="407450" cy="246221"/>
           </a:xfrm>
           <a:prstGeom prst="rect">
@@ -4163,7 +4163,7 @@
         </p:nvSpPr>
         <p:spPr>
           <a:xfrm>
-            <a:off x="3885668" y="1474874"/>
+            <a:off x="3885668" y="770024"/>
             <a:ext cx="2515132" cy="1707823"/>
           </a:xfrm>
           <a:prstGeom prst="ellipse">
@@ -4229,7 +4229,7 @@
         </p:nvSpPr>
         <p:spPr>
           <a:xfrm>
-            <a:off x="5188340" y="1540028"/>
+            <a:off x="5188340" y="835178"/>
             <a:ext cx="304969" cy="246221"/>
           </a:xfrm>
           <a:prstGeom prst="rect">
@@ -4272,7 +4272,7 @@
         </p:nvSpPr>
         <p:spPr>
           <a:xfrm>
-            <a:off x="4928557" y="1946704"/>
+            <a:off x="4928557" y="1241854"/>
             <a:ext cx="1253120" cy="798551"/>
           </a:xfrm>
           <a:prstGeom prst="ellipse">
@@ -4341,7 +4341,7 @@
         </p:nvSpPr>
         <p:spPr>
           <a:xfrm>
-            <a:off x="5464734" y="2222275"/>
+            <a:off x="5464734" y="1517425"/>
             <a:ext cx="615541" cy="246221"/>
           </a:xfrm>
           <a:prstGeom prst="rect">
@@ -4388,7 +4388,7 @@
         </p:nvSpPr>
         <p:spPr>
           <a:xfrm>
-            <a:off x="7789945" y="2222274"/>
+            <a:off x="7789945" y="1517424"/>
             <a:ext cx="559449" cy="246221"/>
           </a:xfrm>
           <a:prstGeom prst="rect">
@@ -4435,7 +4435,7 @@
         </p:nvSpPr>
         <p:spPr>
           <a:xfrm>
-            <a:off x="8795390" y="1946109"/>
+            <a:off x="8795390" y="1241259"/>
             <a:ext cx="1253120" cy="798551"/>
           </a:xfrm>
           <a:prstGeom prst="ellipse">
@@ -4504,7 +4504,7 @@
         </p:nvSpPr>
         <p:spPr>
           <a:xfrm>
-            <a:off x="9358010" y="2222274"/>
+            <a:off x="9358010" y="1517424"/>
             <a:ext cx="633662" cy="246221"/>
           </a:xfrm>
           <a:prstGeom prst="rect">
@@ -4551,7 +4551,7 @@
         </p:nvSpPr>
         <p:spPr>
           <a:xfrm>
-            <a:off x="7863587" y="1692017"/>
+            <a:off x="7863587" y="987167"/>
             <a:ext cx="434414" cy="246221"/>
           </a:xfrm>
           <a:prstGeom prst="rect">
@@ -4598,8 +4598,8 @@
         </p:nvSpPr>
         <p:spPr>
           <a:xfrm>
-            <a:off x="2181224" y="3990304"/>
-            <a:ext cx="3007115" cy="2081883"/>
+            <a:off x="2448774" y="3280751"/>
+            <a:ext cx="3636571" cy="2294243"/>
           </a:xfrm>
           <a:prstGeom prst="ellipse">
             <a:avLst/>
@@ -4667,8 +4667,8 @@
         </p:nvSpPr>
         <p:spPr>
           <a:xfrm>
-            <a:off x="3186814" y="3920572"/>
-            <a:ext cx="3361624" cy="2228153"/>
+            <a:off x="2272171" y="3927382"/>
+            <a:ext cx="3336556" cy="2402992"/>
           </a:xfrm>
           <a:prstGeom prst="ellipse">
             <a:avLst/>
@@ -4721,49 +4721,6 @@
       </p:sp>
       <p:sp>
         <p:nvSpPr>
-          <p:cNvPr id="12" name="TextBox 11">
-            <a:extLst>
-              <a:ext uri="{FF2B5EF4-FFF2-40B4-BE49-F238E27FC236}">
-                <a16:creationId xmlns:a16="http://schemas.microsoft.com/office/drawing/2014/main" id="{46AB1DA0-D271-2AAF-29CD-41C39FD34CA6}"/>
-              </a:ext>
-            </a:extLst>
-          </p:cNvPr>
-          <p:cNvSpPr txBox="1"/>
-          <p:nvPr/>
-        </p:nvSpPr>
-        <p:spPr>
-          <a:xfrm>
-            <a:off x="5115107" y="4025827"/>
-            <a:ext cx="603844" cy="246221"/>
-          </a:xfrm>
-          <a:prstGeom prst="rect">
-            <a:avLst/>
-          </a:prstGeom>
-          <a:noFill/>
-        </p:spPr>
-        <p:txBody>
-          <a:bodyPr wrap="square" lIns="0" tIns="0" rIns="0" bIns="0" rtlCol="0">
-            <a:spAutoFit/>
-          </a:bodyPr>
-          <a:lstStyle/>
-          <a:p>
-            <a:r>
-              <a:rPr lang="en-GB" sz="1600" i="1" dirty="0">
-                <a:solidFill>
-                  <a:schemeClr val="accent3">
-                    <a:lumMod val="75000"/>
-                  </a:schemeClr>
-                </a:solidFill>
-                <a:latin typeface="Times New Roman" panose="02020603050405020304" pitchFamily="18" charset="0"/>
-                <a:cs typeface="Times New Roman" panose="02020603050405020304" pitchFamily="18" charset="0"/>
-              </a:rPr>
-              <a:t>closed</a:t>
-            </a:r>
-          </a:p>
-        </p:txBody>
-      </p:sp>
-      <p:sp>
-        <p:nvSpPr>
           <p:cNvPr id="15" name="Oval 14">
             <a:extLst>
               <a:ext uri="{FF2B5EF4-FFF2-40B4-BE49-F238E27FC236}">
@@ -4776,7 +4733,7 @@
         </p:nvSpPr>
         <p:spPr>
           <a:xfrm>
-            <a:off x="2493192" y="4254426"/>
+            <a:off x="2722641" y="3633291"/>
             <a:ext cx="2396274" cy="1589162"/>
           </a:xfrm>
           <a:prstGeom prst="ellipse">
@@ -4845,7 +4802,7 @@
         </p:nvSpPr>
         <p:spPr>
           <a:xfrm>
-            <a:off x="2567927" y="4942000"/>
+            <a:off x="3710861" y="3628002"/>
             <a:ext cx="525785" cy="246221"/>
           </a:xfrm>
           <a:prstGeom prst="rect">
@@ -4892,7 +4849,7 @@
         </p:nvSpPr>
         <p:spPr>
           <a:xfrm>
-            <a:off x="3122476" y="3997295"/>
+            <a:off x="5436781" y="4191842"/>
             <a:ext cx="598305" cy="246221"/>
           </a:xfrm>
           <a:prstGeom prst="rect">
@@ -4939,7 +4896,7 @@
         </p:nvSpPr>
         <p:spPr>
           <a:xfrm>
-            <a:off x="3349226" y="4666429"/>
+            <a:off x="3347194" y="4159980"/>
             <a:ext cx="1253120" cy="798551"/>
           </a:xfrm>
           <a:prstGeom prst="ellipse">
@@ -5008,7 +4965,7 @@
         </p:nvSpPr>
         <p:spPr>
           <a:xfrm>
-            <a:off x="3469359" y="4942000"/>
+            <a:off x="3783109" y="4191842"/>
             <a:ext cx="407450" cy="246221"/>
           </a:xfrm>
           <a:prstGeom prst="rect">
@@ -5055,8 +5012,8 @@
         </p:nvSpPr>
         <p:spPr>
           <a:xfrm>
-            <a:off x="3921005" y="4254426"/>
-            <a:ext cx="2355970" cy="1589162"/>
+            <a:off x="2810113" y="4544383"/>
+            <a:ext cx="2260672" cy="1407991"/>
           </a:xfrm>
           <a:prstGeom prst="ellipse">
             <a:avLst/>
@@ -5109,10 +5066,10 @@
       </p:sp>
       <p:sp>
         <p:nvSpPr>
-          <p:cNvPr id="29" name="TextBox 28">
-            <a:extLst>
-              <a:ext uri="{FF2B5EF4-FFF2-40B4-BE49-F238E27FC236}">
-                <a16:creationId xmlns:a16="http://schemas.microsoft.com/office/drawing/2014/main" id="{9ED8F9F6-9271-8DA9-7659-65B5CA7B9284}"/>
+          <p:cNvPr id="33" name="TextBox 32">
+            <a:extLst>
+              <a:ext uri="{FF2B5EF4-FFF2-40B4-BE49-F238E27FC236}">
+                <a16:creationId xmlns:a16="http://schemas.microsoft.com/office/drawing/2014/main" id="{819D2ED5-34F5-8959-528D-2B6AA5A253C1}"/>
               </a:ext>
             </a:extLst>
           </p:cNvPr>
@@ -5121,50 +5078,7 @@
         </p:nvSpPr>
         <p:spPr>
           <a:xfrm>
-            <a:off x="5929319" y="4941999"/>
-            <a:ext cx="304969" cy="246221"/>
-          </a:xfrm>
-          <a:prstGeom prst="rect">
-            <a:avLst/>
-          </a:prstGeom>
-          <a:noFill/>
-        </p:spPr>
-        <p:txBody>
-          <a:bodyPr wrap="square" lIns="0" tIns="0" rIns="0" bIns="0" rtlCol="0">
-            <a:spAutoFit/>
-          </a:bodyPr>
-          <a:lstStyle/>
-          <a:p>
-            <a:r>
-              <a:rPr lang="en-GB" sz="1600" i="1" dirty="0">
-                <a:solidFill>
-                  <a:schemeClr val="accent3">
-                    <a:lumMod val="75000"/>
-                  </a:schemeClr>
-                </a:solidFill>
-                <a:latin typeface="Times New Roman" panose="02020603050405020304" pitchFamily="18" charset="0"/>
-                <a:cs typeface="Times New Roman" panose="02020603050405020304" pitchFamily="18" charset="0"/>
-              </a:rPr>
-              <a:t>full</a:t>
-            </a:r>
-          </a:p>
-        </p:txBody>
-      </p:sp>
-      <p:sp>
-        <p:nvSpPr>
-          <p:cNvPr id="33" name="TextBox 32">
-            <a:extLst>
-              <a:ext uri="{FF2B5EF4-FFF2-40B4-BE49-F238E27FC236}">
-                <a16:creationId xmlns:a16="http://schemas.microsoft.com/office/drawing/2014/main" id="{819D2ED5-34F5-8959-528D-2B6AA5A253C1}"/>
-              </a:ext>
-            </a:extLst>
-          </p:cNvPr>
-          <p:cNvSpPr txBox="1"/>
-          <p:nvPr/>
-        </p:nvSpPr>
-        <p:spPr>
-          <a:xfrm>
-            <a:off x="3421629" y="3733173"/>
+            <a:off x="1930027" y="4191841"/>
             <a:ext cx="434414" cy="246221"/>
           </a:xfrm>
           <a:prstGeom prst="rect">
@@ -5211,7 +5125,7 @@
         </p:nvSpPr>
         <p:spPr>
           <a:xfrm>
-            <a:off x="8289598" y="4302452"/>
+            <a:off x="8289598" y="4273397"/>
             <a:ext cx="1253120" cy="798551"/>
           </a:xfrm>
           <a:prstGeom prst="ellipse">
@@ -5280,7 +5194,7 @@
         </p:nvSpPr>
         <p:spPr>
           <a:xfrm>
-            <a:off x="8636433" y="4554324"/>
+            <a:off x="8636433" y="4549562"/>
             <a:ext cx="559449" cy="246221"/>
           </a:xfrm>
           <a:prstGeom prst="rect">
@@ -5327,7 +5241,7 @@
         </p:nvSpPr>
         <p:spPr>
           <a:xfrm>
-            <a:off x="8638155" y="4053123"/>
+            <a:off x="9801059" y="4544382"/>
             <a:ext cx="598305" cy="246221"/>
           </a:xfrm>
           <a:prstGeom prst="rect">
@@ -5374,7 +5288,7 @@
         </p:nvSpPr>
         <p:spPr>
           <a:xfrm>
-            <a:off x="8698950" y="3789505"/>
+            <a:off x="7555973" y="4544383"/>
             <a:ext cx="434414" cy="246221"/>
           </a:xfrm>
           <a:prstGeom prst="rect">
@@ -5403,6 +5317,92 @@
                 <a:cs typeface="Times New Roman" panose="02020603050405020304" pitchFamily="18" charset="0"/>
               </a:rPr>
               <a:t>outer</a:t>
+            </a:r>
+          </a:p>
+        </p:txBody>
+      </p:sp>
+      <p:sp>
+        <p:nvSpPr>
+          <p:cNvPr id="42" name="TextBox 41">
+            <a:extLst>
+              <a:ext uri="{FF2B5EF4-FFF2-40B4-BE49-F238E27FC236}">
+                <a16:creationId xmlns:a16="http://schemas.microsoft.com/office/drawing/2014/main" id="{9C542F7F-C900-69D7-AD9C-592AF2305702}"/>
+              </a:ext>
+            </a:extLst>
+          </p:cNvPr>
+          <p:cNvSpPr txBox="1"/>
+          <p:nvPr/>
+        </p:nvSpPr>
+        <p:spPr>
+          <a:xfrm>
+            <a:off x="3768293" y="5628154"/>
+            <a:ext cx="304969" cy="246221"/>
+          </a:xfrm>
+          <a:prstGeom prst="rect">
+            <a:avLst/>
+          </a:prstGeom>
+          <a:noFill/>
+        </p:spPr>
+        <p:txBody>
+          <a:bodyPr wrap="square" lIns="0" tIns="0" rIns="0" bIns="0" rtlCol="0">
+            <a:spAutoFit/>
+          </a:bodyPr>
+          <a:lstStyle/>
+          <a:p>
+            <a:r>
+              <a:rPr lang="en-GB" sz="1600" i="1" dirty="0">
+                <a:solidFill>
+                  <a:schemeClr val="accent3">
+                    <a:lumMod val="75000"/>
+                  </a:schemeClr>
+                </a:solidFill>
+                <a:latin typeface="Times New Roman" panose="02020603050405020304" pitchFamily="18" charset="0"/>
+                <a:cs typeface="Times New Roman" panose="02020603050405020304" pitchFamily="18" charset="0"/>
+              </a:rPr>
+              <a:t>full</a:t>
+            </a:r>
+          </a:p>
+        </p:txBody>
+      </p:sp>
+      <p:sp>
+        <p:nvSpPr>
+          <p:cNvPr id="43" name="TextBox 42">
+            <a:extLst>
+              <a:ext uri="{FF2B5EF4-FFF2-40B4-BE49-F238E27FC236}">
+                <a16:creationId xmlns:a16="http://schemas.microsoft.com/office/drawing/2014/main" id="{7E556D35-5AA7-3682-A269-B0D0E76046A1}"/>
+              </a:ext>
+            </a:extLst>
+          </p:cNvPr>
+          <p:cNvSpPr txBox="1"/>
+          <p:nvPr/>
+        </p:nvSpPr>
+        <p:spPr>
+          <a:xfrm>
+            <a:off x="3644846" y="6027634"/>
+            <a:ext cx="603844" cy="246221"/>
+          </a:xfrm>
+          <a:prstGeom prst="rect">
+            <a:avLst/>
+          </a:prstGeom>
+          <a:noFill/>
+        </p:spPr>
+        <p:txBody>
+          <a:bodyPr wrap="square" lIns="0" tIns="0" rIns="0" bIns="0" rtlCol="0">
+            <a:spAutoFit/>
+          </a:bodyPr>
+          <a:lstStyle/>
+          <a:p>
+            <a:r>
+              <a:rPr lang="en-GB" sz="1600" i="1" dirty="0">
+                <a:solidFill>
+                  <a:schemeClr val="accent3">
+                    <a:lumMod val="75000"/>
+                  </a:schemeClr>
+                </a:solidFill>
+                <a:latin typeface="Times New Roman" panose="02020603050405020304" pitchFamily="18" charset="0"/>
+                <a:cs typeface="Times New Roman" panose="02020603050405020304" pitchFamily="18" charset="0"/>
+              </a:rPr>
+              <a:t>closed</a:t>
             </a:r>
           </a:p>
         </p:txBody>
